--- a/mycat/README.pptx
+++ b/mycat/README.pptx
@@ -107,6 +107,11 @@
       </a:defRPr>
     </a:lvl9pPr>
   </p:defaultTextStyle>
+  <p:extLst>
+    <p:ext uri="{EFAFB233-063F-42B5-8137-9DF3F51BA10A}">
+      <p15:sldGuideLst xmlns:p15="http://schemas.microsoft.com/office/powerpoint/2012/main"/>
+    </p:ext>
+  </p:extLst>
 </p:presentation>
 </file>
 
@@ -3409,8 +3414,8 @@
         </p:nvSpPr>
         <p:spPr>
           <a:xfrm>
-            <a:off x="3612124" y="3231194"/>
-            <a:ext cx="576000" cy="324000"/>
+            <a:off x="3638306" y="3259310"/>
+            <a:ext cx="523636" cy="267768"/>
           </a:xfrm>
           <a:prstGeom prst="can">
             <a:avLst/>
@@ -3446,13 +3451,13 @@
           <a:p>
             <a:pPr algn="ctr"/>
             <a:r>
-              <a:rPr lang="en-US" altLang="zh-CN" sz="1000" dirty="0" smtClean="0">
+              <a:rPr lang="en-US" altLang="zh-CN" sz="900" dirty="0" smtClean="0">
                 <a:latin typeface="微软雅黑" panose="020B0503020204020204" pitchFamily="34" charset="-122"/>
                 <a:ea typeface="微软雅黑" panose="020B0503020204020204" pitchFamily="34" charset="-122"/>
               </a:rPr>
               <a:t>dn0</a:t>
             </a:r>
-            <a:endParaRPr lang="zh-CN" altLang="en-US" sz="1000" dirty="0">
+            <a:endParaRPr lang="zh-CN" altLang="en-US" sz="900" dirty="0">
               <a:latin typeface="微软雅黑" panose="020B0503020204020204" pitchFamily="34" charset="-122"/>
               <a:ea typeface="微软雅黑" panose="020B0503020204020204" pitchFamily="34" charset="-122"/>
             </a:endParaRPr>
@@ -3467,8 +3472,8 @@
         </p:nvSpPr>
         <p:spPr>
           <a:xfrm>
-            <a:off x="4593536" y="3231194"/>
-            <a:ext cx="576000" cy="324000"/>
+            <a:off x="4619718" y="3259310"/>
+            <a:ext cx="523636" cy="267768"/>
           </a:xfrm>
           <a:prstGeom prst="can">
             <a:avLst/>
@@ -3504,13 +3509,13 @@
           <a:p>
             <a:pPr algn="ctr"/>
             <a:r>
-              <a:rPr lang="en-US" altLang="zh-CN" sz="1000" dirty="0" smtClean="0">
+              <a:rPr lang="en-US" altLang="zh-CN" sz="900" dirty="0" smtClean="0">
                 <a:latin typeface="微软雅黑" panose="020B0503020204020204" pitchFamily="34" charset="-122"/>
                 <a:ea typeface="微软雅黑" panose="020B0503020204020204" pitchFamily="34" charset="-122"/>
               </a:rPr>
               <a:t>dn1</a:t>
             </a:r>
-            <a:endParaRPr lang="zh-CN" altLang="en-US" sz="1000" dirty="0">
+            <a:endParaRPr lang="zh-CN" altLang="en-US" sz="900" dirty="0">
               <a:latin typeface="微软雅黑" panose="020B0503020204020204" pitchFamily="34" charset="-122"/>
               <a:ea typeface="微软雅黑" panose="020B0503020204020204" pitchFamily="34" charset="-122"/>
             </a:endParaRPr>
@@ -3525,8 +3530,8 @@
         </p:nvSpPr>
         <p:spPr>
           <a:xfrm>
-            <a:off x="5574948" y="3231194"/>
-            <a:ext cx="576000" cy="324000"/>
+            <a:off x="5601130" y="3259310"/>
+            <a:ext cx="523636" cy="267768"/>
           </a:xfrm>
           <a:prstGeom prst="can">
             <a:avLst/>
@@ -3562,13 +3567,13 @@
           <a:p>
             <a:pPr algn="ctr"/>
             <a:r>
-              <a:rPr lang="en-US" altLang="zh-CN" sz="1000" dirty="0" smtClean="0">
+              <a:rPr lang="en-US" altLang="zh-CN" sz="900" dirty="0" smtClean="0">
                 <a:latin typeface="微软雅黑" panose="020B0503020204020204" pitchFamily="34" charset="-122"/>
                 <a:ea typeface="微软雅黑" panose="020B0503020204020204" pitchFamily="34" charset="-122"/>
               </a:rPr>
               <a:t>dn2</a:t>
             </a:r>
-            <a:endParaRPr lang="zh-CN" altLang="en-US" sz="1000" dirty="0">
+            <a:endParaRPr lang="zh-CN" altLang="en-US" sz="900" dirty="0">
               <a:latin typeface="微软雅黑" panose="020B0503020204020204" pitchFamily="34" charset="-122"/>
               <a:ea typeface="微软雅黑" panose="020B0503020204020204" pitchFamily="34" charset="-122"/>
             </a:endParaRPr>
@@ -3583,8 +3588,8 @@
         </p:nvSpPr>
         <p:spPr>
           <a:xfrm>
-            <a:off x="6556360" y="3231194"/>
-            <a:ext cx="576000" cy="324000"/>
+            <a:off x="6582542" y="3259310"/>
+            <a:ext cx="523636" cy="267768"/>
           </a:xfrm>
           <a:prstGeom prst="can">
             <a:avLst/>
@@ -3620,13 +3625,13 @@
           <a:p>
             <a:pPr algn="ctr"/>
             <a:r>
-              <a:rPr lang="en-US" altLang="zh-CN" sz="1000" dirty="0" smtClean="0">
+              <a:rPr lang="en-US" altLang="zh-CN" sz="900" dirty="0" smtClean="0">
                 <a:latin typeface="微软雅黑" panose="020B0503020204020204" pitchFamily="34" charset="-122"/>
                 <a:ea typeface="微软雅黑" panose="020B0503020204020204" pitchFamily="34" charset="-122"/>
               </a:rPr>
               <a:t>dn3</a:t>
             </a:r>
-            <a:endParaRPr lang="zh-CN" altLang="en-US" sz="1000" dirty="0">
+            <a:endParaRPr lang="zh-CN" altLang="en-US" sz="900" dirty="0">
               <a:latin typeface="微软雅黑" panose="020B0503020204020204" pitchFamily="34" charset="-122"/>
               <a:ea typeface="微软雅黑" panose="020B0503020204020204" pitchFamily="34" charset="-122"/>
             </a:endParaRPr>
@@ -3641,8 +3646,8 @@
         </p:nvSpPr>
         <p:spPr>
           <a:xfrm>
-            <a:off x="7537772" y="3231194"/>
-            <a:ext cx="576000" cy="324000"/>
+            <a:off x="7563954" y="3259310"/>
+            <a:ext cx="523636" cy="267768"/>
           </a:xfrm>
           <a:prstGeom prst="can">
             <a:avLst/>
@@ -3678,13 +3683,13 @@
           <a:p>
             <a:pPr algn="ctr"/>
             <a:r>
-              <a:rPr lang="en-US" altLang="zh-CN" sz="1000" dirty="0" smtClean="0">
+              <a:rPr lang="en-US" altLang="zh-CN" sz="900" dirty="0" smtClean="0">
                 <a:latin typeface="微软雅黑" panose="020B0503020204020204" pitchFamily="34" charset="-122"/>
                 <a:ea typeface="微软雅黑" panose="020B0503020204020204" pitchFamily="34" charset="-122"/>
               </a:rPr>
               <a:t>dn4</a:t>
             </a:r>
-            <a:endParaRPr lang="zh-CN" altLang="en-US" sz="1000" dirty="0">
+            <a:endParaRPr lang="zh-CN" altLang="en-US" sz="900" dirty="0">
               <a:latin typeface="微软雅黑" panose="020B0503020204020204" pitchFamily="34" charset="-122"/>
               <a:ea typeface="微软雅黑" panose="020B0503020204020204" pitchFamily="34" charset="-122"/>
             </a:endParaRPr>
@@ -3701,9 +3706,9 @@
           <p:nvPr/>
         </p:nvCxnSpPr>
         <p:spPr>
-          <a:xfrm>
-            <a:off x="3896954" y="2694023"/>
-            <a:ext cx="3170" cy="537171"/>
+          <a:xfrm flipH="1">
+            <a:off x="3900124" y="2743207"/>
+            <a:ext cx="905" cy="516103"/>
           </a:xfrm>
           <a:prstGeom prst="line">
             <a:avLst/>
@@ -3738,8 +3743,8 @@
         </p:nvGrpSpPr>
         <p:grpSpPr>
           <a:xfrm>
-            <a:off x="3885828" y="4097001"/>
-            <a:ext cx="3030334" cy="712271"/>
+            <a:off x="3885828" y="4008221"/>
+            <a:ext cx="2922032" cy="566139"/>
             <a:chOff x="3357576" y="5629523"/>
             <a:chExt cx="3030334" cy="712271"/>
           </a:xfrm>
@@ -3752,8 +3757,8 @@
           </p:nvSpPr>
           <p:spPr>
             <a:xfrm>
-              <a:off x="3406839" y="6071720"/>
-              <a:ext cx="728084" cy="246221"/>
+              <a:off x="3446914" y="6071720"/>
+              <a:ext cx="647933" cy="230832"/>
             </a:xfrm>
             <a:prstGeom prst="rect">
               <a:avLst/>
@@ -3767,13 +3772,13 @@
             <a:p>
               <a:pPr algn="ctr"/>
               <a:r>
-                <a:rPr lang="en-US" altLang="zh-CN" sz="1000" dirty="0" smtClean="0">
+                <a:rPr lang="en-US" altLang="zh-CN" sz="900" dirty="0" smtClean="0">
                   <a:latin typeface="微软雅黑" panose="020B0503020204020204" pitchFamily="34" charset="-122"/>
                   <a:ea typeface="微软雅黑" panose="020B0503020204020204" pitchFamily="34" charset="-122"/>
                 </a:rPr>
                 <a:t>member</a:t>
               </a:r>
-              <a:endParaRPr lang="zh-CN" altLang="en-US" sz="1000" dirty="0">
+              <a:endParaRPr lang="zh-CN" altLang="en-US" sz="900" dirty="0">
                 <a:latin typeface="微软雅黑" panose="020B0503020204020204" pitchFamily="34" charset="-122"/>
                 <a:ea typeface="微软雅黑" panose="020B0503020204020204" pitchFamily="34" charset="-122"/>
               </a:endParaRPr>
@@ -3843,7 +3848,10 @@
               <a:lstStyle/>
               <a:p>
                 <a:pPr algn="ctr"/>
-                <a:endParaRPr lang="zh-CN" altLang="en-US"/>
+                <a:endParaRPr lang="zh-CN" altLang="en-US" sz="900">
+                  <a:latin typeface="微软雅黑" panose="020B0503020204020204" pitchFamily="34" charset="-122"/>
+                  <a:ea typeface="微软雅黑" panose="020B0503020204020204" pitchFamily="34" charset="-122"/>
+                </a:endParaRPr>
               </a:p>
             </p:txBody>
           </p:sp>
@@ -3896,7 +3904,10 @@
               <a:lstStyle/>
               <a:p>
                 <a:pPr algn="ctr"/>
-                <a:endParaRPr lang="zh-CN" altLang="en-US"/>
+                <a:endParaRPr lang="zh-CN" altLang="en-US" sz="900">
+                  <a:latin typeface="微软雅黑" panose="020B0503020204020204" pitchFamily="34" charset="-122"/>
+                  <a:ea typeface="微软雅黑" panose="020B0503020204020204" pitchFamily="34" charset="-122"/>
+                </a:endParaRPr>
               </a:p>
             </p:txBody>
           </p:sp>
@@ -3949,7 +3960,10 @@
               <a:lstStyle/>
               <a:p>
                 <a:pPr algn="ctr"/>
-                <a:endParaRPr lang="zh-CN" altLang="en-US"/>
+                <a:endParaRPr lang="zh-CN" altLang="en-US" sz="900">
+                  <a:latin typeface="微软雅黑" panose="020B0503020204020204" pitchFamily="34" charset="-122"/>
+                  <a:ea typeface="微软雅黑" panose="020B0503020204020204" pitchFamily="34" charset="-122"/>
+                </a:endParaRPr>
               </a:p>
             </p:txBody>
           </p:sp>
@@ -4002,7 +4016,10 @@
               <a:lstStyle/>
               <a:p>
                 <a:pPr algn="ctr"/>
-                <a:endParaRPr lang="zh-CN" altLang="en-US"/>
+                <a:endParaRPr lang="zh-CN" altLang="en-US" sz="900">
+                  <a:latin typeface="微软雅黑" panose="020B0503020204020204" pitchFamily="34" charset="-122"/>
+                  <a:ea typeface="微软雅黑" panose="020B0503020204020204" pitchFamily="34" charset="-122"/>
+                </a:endParaRPr>
               </a:p>
             </p:txBody>
           </p:sp>
@@ -4046,7 +4063,10 @@
               <a:lstStyle/>
               <a:p>
                 <a:pPr algn="ctr"/>
-                <a:endParaRPr lang="zh-CN" altLang="en-US"/>
+                <a:endParaRPr lang="zh-CN" altLang="en-US" sz="900">
+                  <a:latin typeface="微软雅黑" panose="020B0503020204020204" pitchFamily="34" charset="-122"/>
+                  <a:ea typeface="微软雅黑" panose="020B0503020204020204" pitchFamily="34" charset="-122"/>
+                </a:endParaRPr>
               </a:p>
             </p:txBody>
           </p:sp>
@@ -4059,8 +4079,8 @@
           </p:nvSpPr>
           <p:spPr>
             <a:xfrm>
-              <a:off x="4097747" y="6071720"/>
-              <a:ext cx="1093568" cy="246221"/>
+              <a:off x="4145035" y="6071720"/>
+              <a:ext cx="998991" cy="230832"/>
             </a:xfrm>
             <a:prstGeom prst="rect">
               <a:avLst/>
@@ -4074,13 +4094,13 @@
             <a:p>
               <a:pPr algn="ctr"/>
               <a:r>
-                <a:rPr lang="en-US" altLang="zh-CN" sz="1000" dirty="0" err="1" smtClean="0">
+                <a:rPr lang="en-US" altLang="zh-CN" sz="900" dirty="0" err="1" smtClean="0">
                   <a:latin typeface="微软雅黑" panose="020B0503020204020204" pitchFamily="34" charset="-122"/>
                   <a:ea typeface="微软雅黑" panose="020B0503020204020204" pitchFamily="34" charset="-122"/>
                 </a:rPr>
                 <a:t>member_order</a:t>
               </a:r>
-              <a:endParaRPr lang="zh-CN" altLang="en-US" sz="1000" dirty="0">
+              <a:endParaRPr lang="zh-CN" altLang="en-US" sz="900" dirty="0">
                 <a:latin typeface="微软雅黑" panose="020B0503020204020204" pitchFamily="34" charset="-122"/>
                 <a:ea typeface="微软雅黑" panose="020B0503020204020204" pitchFamily="34" charset="-122"/>
               </a:endParaRPr>
@@ -4150,7 +4170,10 @@
               <a:lstStyle/>
               <a:p>
                 <a:pPr algn="ctr"/>
-                <a:endParaRPr lang="zh-CN" altLang="en-US"/>
+                <a:endParaRPr lang="zh-CN" altLang="en-US" sz="900">
+                  <a:latin typeface="微软雅黑" panose="020B0503020204020204" pitchFamily="34" charset="-122"/>
+                  <a:ea typeface="微软雅黑" panose="020B0503020204020204" pitchFamily="34" charset="-122"/>
+                </a:endParaRPr>
               </a:p>
             </p:txBody>
           </p:sp>
@@ -4203,7 +4226,10 @@
               <a:lstStyle/>
               <a:p>
                 <a:pPr algn="ctr"/>
-                <a:endParaRPr lang="zh-CN" altLang="en-US"/>
+                <a:endParaRPr lang="zh-CN" altLang="en-US" sz="900">
+                  <a:latin typeface="微软雅黑" panose="020B0503020204020204" pitchFamily="34" charset="-122"/>
+                  <a:ea typeface="微软雅黑" panose="020B0503020204020204" pitchFamily="34" charset="-122"/>
+                </a:endParaRPr>
               </a:p>
             </p:txBody>
           </p:sp>
@@ -4256,7 +4282,10 @@
               <a:lstStyle/>
               <a:p>
                 <a:pPr algn="ctr"/>
-                <a:endParaRPr lang="zh-CN" altLang="en-US"/>
+                <a:endParaRPr lang="zh-CN" altLang="en-US" sz="900">
+                  <a:latin typeface="微软雅黑" panose="020B0503020204020204" pitchFamily="34" charset="-122"/>
+                  <a:ea typeface="微软雅黑" panose="020B0503020204020204" pitchFamily="34" charset="-122"/>
+                </a:endParaRPr>
               </a:p>
             </p:txBody>
           </p:sp>
@@ -4309,7 +4338,10 @@
               <a:lstStyle/>
               <a:p>
                 <a:pPr algn="ctr"/>
-                <a:endParaRPr lang="zh-CN" altLang="en-US"/>
+                <a:endParaRPr lang="zh-CN" altLang="en-US" sz="900">
+                  <a:latin typeface="微软雅黑" panose="020B0503020204020204" pitchFamily="34" charset="-122"/>
+                  <a:ea typeface="微软雅黑" panose="020B0503020204020204" pitchFamily="34" charset="-122"/>
+                </a:endParaRPr>
               </a:p>
             </p:txBody>
           </p:sp>
@@ -4353,7 +4385,10 @@
               <a:lstStyle/>
               <a:p>
                 <a:pPr algn="ctr"/>
-                <a:endParaRPr lang="zh-CN" altLang="en-US"/>
+                <a:endParaRPr lang="zh-CN" altLang="en-US" sz="900">
+                  <a:latin typeface="微软雅黑" panose="020B0503020204020204" pitchFamily="34" charset="-122"/>
+                  <a:ea typeface="微软雅黑" panose="020B0503020204020204" pitchFamily="34" charset="-122"/>
+                </a:endParaRPr>
               </a:p>
             </p:txBody>
           </p:sp>
@@ -4366,8 +4401,8 @@
           </p:nvSpPr>
           <p:spPr>
             <a:xfrm>
-              <a:off x="5111856" y="6075549"/>
-              <a:ext cx="1244250" cy="246221"/>
+              <a:off x="5165556" y="6075549"/>
+              <a:ext cx="1136850" cy="230832"/>
             </a:xfrm>
             <a:prstGeom prst="rect">
               <a:avLst/>
@@ -4381,13 +4416,13 @@
             <a:p>
               <a:pPr algn="ctr"/>
               <a:r>
-                <a:rPr lang="en-US" altLang="zh-CN" sz="1000" dirty="0" err="1" smtClean="0">
+                <a:rPr lang="en-US" altLang="zh-CN" sz="900" dirty="0" err="1" smtClean="0">
                   <a:latin typeface="微软雅黑" panose="020B0503020204020204" pitchFamily="34" charset="-122"/>
                   <a:ea typeface="微软雅黑" panose="020B0503020204020204" pitchFamily="34" charset="-122"/>
                 </a:rPr>
                 <a:t>member_account</a:t>
               </a:r>
-              <a:endParaRPr lang="zh-CN" altLang="en-US" sz="1000" dirty="0">
+              <a:endParaRPr lang="zh-CN" altLang="en-US" sz="900" dirty="0">
                 <a:latin typeface="微软雅黑" panose="020B0503020204020204" pitchFamily="34" charset="-122"/>
                 <a:ea typeface="微软雅黑" panose="020B0503020204020204" pitchFamily="34" charset="-122"/>
               </a:endParaRPr>
@@ -4457,7 +4492,10 @@
               <a:lstStyle/>
               <a:p>
                 <a:pPr algn="ctr"/>
-                <a:endParaRPr lang="zh-CN" altLang="en-US"/>
+                <a:endParaRPr lang="zh-CN" altLang="en-US" sz="900">
+                  <a:latin typeface="微软雅黑" panose="020B0503020204020204" pitchFamily="34" charset="-122"/>
+                  <a:ea typeface="微软雅黑" panose="020B0503020204020204" pitchFamily="34" charset="-122"/>
+                </a:endParaRPr>
               </a:p>
             </p:txBody>
           </p:sp>
@@ -4510,7 +4548,10 @@
               <a:lstStyle/>
               <a:p>
                 <a:pPr algn="ctr"/>
-                <a:endParaRPr lang="zh-CN" altLang="en-US"/>
+                <a:endParaRPr lang="zh-CN" altLang="en-US" sz="900">
+                  <a:latin typeface="微软雅黑" panose="020B0503020204020204" pitchFamily="34" charset="-122"/>
+                  <a:ea typeface="微软雅黑" panose="020B0503020204020204" pitchFamily="34" charset="-122"/>
+                </a:endParaRPr>
               </a:p>
             </p:txBody>
           </p:sp>
@@ -4563,7 +4604,10 @@
               <a:lstStyle/>
               <a:p>
                 <a:pPr algn="ctr"/>
-                <a:endParaRPr lang="zh-CN" altLang="en-US"/>
+                <a:endParaRPr lang="zh-CN" altLang="en-US" sz="900">
+                  <a:latin typeface="微软雅黑" panose="020B0503020204020204" pitchFamily="34" charset="-122"/>
+                  <a:ea typeface="微软雅黑" panose="020B0503020204020204" pitchFamily="34" charset="-122"/>
+                </a:endParaRPr>
               </a:p>
             </p:txBody>
           </p:sp>
@@ -4616,7 +4660,10 @@
               <a:lstStyle/>
               <a:p>
                 <a:pPr algn="ctr"/>
-                <a:endParaRPr lang="zh-CN" altLang="en-US"/>
+                <a:endParaRPr lang="zh-CN" altLang="en-US" sz="900">
+                  <a:latin typeface="微软雅黑" panose="020B0503020204020204" pitchFamily="34" charset="-122"/>
+                  <a:ea typeface="微软雅黑" panose="020B0503020204020204" pitchFamily="34" charset="-122"/>
+                </a:endParaRPr>
               </a:p>
             </p:txBody>
           </p:sp>
@@ -4660,7 +4707,10 @@
               <a:lstStyle/>
               <a:p>
                 <a:pPr algn="ctr"/>
-                <a:endParaRPr lang="zh-CN" altLang="en-US"/>
+                <a:endParaRPr lang="zh-CN" altLang="en-US" sz="900">
+                  <a:latin typeface="微软雅黑" panose="020B0503020204020204" pitchFamily="34" charset="-122"/>
+                  <a:ea typeface="微软雅黑" panose="020B0503020204020204" pitchFamily="34" charset="-122"/>
+                </a:endParaRPr>
               </a:p>
             </p:txBody>
           </p:sp>
@@ -4712,7 +4762,10 @@
             <a:lstStyle/>
             <a:p>
               <a:pPr algn="ctr"/>
-              <a:endParaRPr lang="zh-CN" altLang="en-US"/>
+              <a:endParaRPr lang="zh-CN" altLang="en-US" sz="900">
+                <a:latin typeface="微软雅黑" panose="020B0503020204020204" pitchFamily="34" charset="-122"/>
+                <a:ea typeface="微软雅黑" panose="020B0503020204020204" pitchFamily="34" charset="-122"/>
+              </a:endParaRPr>
             </a:p>
           </p:txBody>
         </p:sp>
@@ -4728,8 +4781,8 @@
         </p:nvCxnSpPr>
         <p:spPr>
           <a:xfrm rot="16200000" flipV="1">
-            <a:off x="4870363" y="3566368"/>
-            <a:ext cx="541807" cy="519459"/>
+            <a:off x="4873619" y="3534996"/>
+            <a:ext cx="481143" cy="465308"/>
           </a:xfrm>
           <a:prstGeom prst="bentConnector3">
             <a:avLst/>
@@ -4767,8 +4820,8 @@
         </p:nvCxnSpPr>
         <p:spPr>
           <a:xfrm rot="5400000" flipH="1" flipV="1">
-            <a:off x="5361068" y="3595122"/>
-            <a:ext cx="541807" cy="461953"/>
+            <a:off x="5364325" y="3509598"/>
+            <a:ext cx="481143" cy="516104"/>
           </a:xfrm>
           <a:prstGeom prst="bentConnector3">
             <a:avLst/>
@@ -4803,8 +4856,8 @@
         </p:nvGrpSpPr>
         <p:grpSpPr>
           <a:xfrm>
-            <a:off x="3514141" y="1981752"/>
-            <a:ext cx="765626" cy="712271"/>
+            <a:off x="3531897" y="2177068"/>
+            <a:ext cx="738263" cy="566139"/>
             <a:chOff x="2721965" y="3420027"/>
             <a:chExt cx="765626" cy="712271"/>
           </a:xfrm>
@@ -4817,8 +4870,8 @@
           </p:nvSpPr>
           <p:spPr>
             <a:xfrm>
-              <a:off x="2772668" y="3427979"/>
-              <a:ext cx="696024" cy="246221"/>
+              <a:off x="2800289" y="3427980"/>
+              <a:ext cx="620683" cy="230832"/>
             </a:xfrm>
             <a:prstGeom prst="rect">
               <a:avLst/>
@@ -4830,14 +4883,15 @@
             </a:bodyPr>
             <a:lstStyle/>
             <a:p>
+              <a:pPr algn="ctr"/>
               <a:r>
-                <a:rPr lang="en-US" altLang="zh-CN" sz="1000" dirty="0" smtClean="0">
+                <a:rPr lang="en-US" altLang="zh-CN" sz="900" dirty="0" smtClean="0">
                   <a:latin typeface="微软雅黑" panose="020B0503020204020204" pitchFamily="34" charset="-122"/>
                   <a:ea typeface="微软雅黑" panose="020B0503020204020204" pitchFamily="34" charset="-122"/>
                 </a:rPr>
                 <a:t>product</a:t>
               </a:r>
-              <a:endParaRPr lang="zh-CN" altLang="en-US" sz="1000" dirty="0">
+              <a:endParaRPr lang="zh-CN" altLang="en-US" sz="900" dirty="0">
                 <a:latin typeface="微软雅黑" panose="020B0503020204020204" pitchFamily="34" charset="-122"/>
                 <a:ea typeface="微软雅黑" panose="020B0503020204020204" pitchFamily="34" charset="-122"/>
               </a:endParaRPr>
@@ -4907,7 +4961,10 @@
               <a:lstStyle/>
               <a:p>
                 <a:pPr algn="ctr"/>
-                <a:endParaRPr lang="zh-CN" altLang="en-US"/>
+                <a:endParaRPr lang="zh-CN" altLang="en-US" sz="900">
+                  <a:latin typeface="微软雅黑" panose="020B0503020204020204" pitchFamily="34" charset="-122"/>
+                  <a:ea typeface="微软雅黑" panose="020B0503020204020204" pitchFamily="34" charset="-122"/>
+                </a:endParaRPr>
               </a:p>
             </p:txBody>
           </p:sp>
@@ -4960,7 +5017,10 @@
               <a:lstStyle/>
               <a:p>
                 <a:pPr algn="ctr"/>
-                <a:endParaRPr lang="zh-CN" altLang="en-US"/>
+                <a:endParaRPr lang="zh-CN" altLang="en-US" sz="900">
+                  <a:latin typeface="微软雅黑" panose="020B0503020204020204" pitchFamily="34" charset="-122"/>
+                  <a:ea typeface="微软雅黑" panose="020B0503020204020204" pitchFamily="34" charset="-122"/>
+                </a:endParaRPr>
               </a:p>
             </p:txBody>
           </p:sp>
@@ -5013,7 +5073,10 @@
               <a:lstStyle/>
               <a:p>
                 <a:pPr algn="ctr"/>
-                <a:endParaRPr lang="zh-CN" altLang="en-US"/>
+                <a:endParaRPr lang="zh-CN" altLang="en-US" sz="900">
+                  <a:latin typeface="微软雅黑" panose="020B0503020204020204" pitchFamily="34" charset="-122"/>
+                  <a:ea typeface="微软雅黑" panose="020B0503020204020204" pitchFamily="34" charset="-122"/>
+                </a:endParaRPr>
               </a:p>
             </p:txBody>
           </p:sp>
@@ -5066,7 +5129,10 @@
               <a:lstStyle/>
               <a:p>
                 <a:pPr algn="ctr"/>
-                <a:endParaRPr lang="zh-CN" altLang="en-US"/>
+                <a:endParaRPr lang="zh-CN" altLang="en-US" sz="900">
+                  <a:latin typeface="微软雅黑" panose="020B0503020204020204" pitchFamily="34" charset="-122"/>
+                  <a:ea typeface="微软雅黑" panose="020B0503020204020204" pitchFamily="34" charset="-122"/>
+                </a:endParaRPr>
               </a:p>
             </p:txBody>
           </p:sp>
@@ -5110,7 +5176,10 @@
               <a:lstStyle/>
               <a:p>
                 <a:pPr algn="ctr"/>
-                <a:endParaRPr lang="zh-CN" altLang="en-US"/>
+                <a:endParaRPr lang="zh-CN" altLang="en-US" sz="900">
+                  <a:latin typeface="微软雅黑" panose="020B0503020204020204" pitchFamily="34" charset="-122"/>
+                  <a:ea typeface="微软雅黑" panose="020B0503020204020204" pitchFamily="34" charset="-122"/>
+                </a:endParaRPr>
               </a:p>
             </p:txBody>
           </p:sp>
@@ -5162,7 +5231,10 @@
             <a:lstStyle/>
             <a:p>
               <a:pPr algn="ctr"/>
-              <a:endParaRPr lang="zh-CN" altLang="en-US"/>
+              <a:endParaRPr lang="zh-CN" altLang="en-US" sz="900">
+                <a:latin typeface="微软雅黑" panose="020B0503020204020204" pitchFamily="34" charset="-122"/>
+                <a:ea typeface="微软雅黑" panose="020B0503020204020204" pitchFamily="34" charset="-122"/>
+              </a:endParaRPr>
             </a:p>
           </p:txBody>
         </p:sp>
@@ -5175,10 +5247,10 @@
         </p:nvGrpSpPr>
         <p:grpSpPr>
           <a:xfrm>
-            <a:off x="5380040" y="1982843"/>
-            <a:ext cx="1936811" cy="712271"/>
+            <a:off x="5380040" y="2178159"/>
+            <a:ext cx="1858406" cy="566139"/>
             <a:chOff x="5380040" y="1982843"/>
-            <a:chExt cx="1936811" cy="712271"/>
+            <a:chExt cx="1927286" cy="712271"/>
           </a:xfrm>
         </p:grpSpPr>
         <p:sp>
@@ -5189,8 +5261,8 @@
           </p:nvSpPr>
           <p:spPr>
             <a:xfrm>
-              <a:off x="5391507" y="1986890"/>
-              <a:ext cx="1002198" cy="246221"/>
+              <a:off x="5433185" y="1986890"/>
+              <a:ext cx="918841" cy="230832"/>
             </a:xfrm>
             <a:prstGeom prst="rect">
               <a:avLst/>
@@ -5204,13 +5276,13 @@
             <a:p>
               <a:pPr algn="ctr"/>
               <a:r>
-                <a:rPr lang="en-US" altLang="zh-CN" sz="1000" dirty="0" err="1" smtClean="0">
+                <a:rPr lang="en-US" altLang="zh-CN" sz="900" dirty="0" err="1" smtClean="0">
                   <a:latin typeface="微软雅黑" panose="020B0503020204020204" pitchFamily="34" charset="-122"/>
                   <a:ea typeface="微软雅黑" panose="020B0503020204020204" pitchFamily="34" charset="-122"/>
                 </a:rPr>
                 <a:t>order_header</a:t>
               </a:r>
-              <a:endParaRPr lang="zh-CN" altLang="en-US" sz="1000" dirty="0">
+              <a:endParaRPr lang="zh-CN" altLang="en-US" sz="900" dirty="0">
                 <a:latin typeface="微软雅黑" panose="020B0503020204020204" pitchFamily="34" charset="-122"/>
                 <a:ea typeface="微软雅黑" panose="020B0503020204020204" pitchFamily="34" charset="-122"/>
               </a:endParaRPr>
@@ -5280,7 +5352,10 @@
               <a:lstStyle/>
               <a:p>
                 <a:pPr algn="ctr"/>
-                <a:endParaRPr lang="zh-CN" altLang="en-US"/>
+                <a:endParaRPr lang="zh-CN" altLang="en-US" sz="900">
+                  <a:latin typeface="微软雅黑" panose="020B0503020204020204" pitchFamily="34" charset="-122"/>
+                  <a:ea typeface="微软雅黑" panose="020B0503020204020204" pitchFamily="34" charset="-122"/>
+                </a:endParaRPr>
               </a:p>
             </p:txBody>
           </p:sp>
@@ -5333,7 +5408,10 @@
               <a:lstStyle/>
               <a:p>
                 <a:pPr algn="ctr"/>
-                <a:endParaRPr lang="zh-CN" altLang="en-US"/>
+                <a:endParaRPr lang="zh-CN" altLang="en-US" sz="900">
+                  <a:latin typeface="微软雅黑" panose="020B0503020204020204" pitchFamily="34" charset="-122"/>
+                  <a:ea typeface="微软雅黑" panose="020B0503020204020204" pitchFamily="34" charset="-122"/>
+                </a:endParaRPr>
               </a:p>
             </p:txBody>
           </p:sp>
@@ -5386,7 +5464,10 @@
               <a:lstStyle/>
               <a:p>
                 <a:pPr algn="ctr"/>
-                <a:endParaRPr lang="zh-CN" altLang="en-US"/>
+                <a:endParaRPr lang="zh-CN" altLang="en-US" sz="900">
+                  <a:latin typeface="微软雅黑" panose="020B0503020204020204" pitchFamily="34" charset="-122"/>
+                  <a:ea typeface="微软雅黑" panose="020B0503020204020204" pitchFamily="34" charset="-122"/>
+                </a:endParaRPr>
               </a:p>
             </p:txBody>
           </p:sp>
@@ -5439,7 +5520,10 @@
               <a:lstStyle/>
               <a:p>
                 <a:pPr algn="ctr"/>
-                <a:endParaRPr lang="zh-CN" altLang="en-US"/>
+                <a:endParaRPr lang="zh-CN" altLang="en-US" sz="900">
+                  <a:latin typeface="微软雅黑" panose="020B0503020204020204" pitchFamily="34" charset="-122"/>
+                  <a:ea typeface="微软雅黑" panose="020B0503020204020204" pitchFamily="34" charset="-122"/>
+                </a:endParaRPr>
               </a:p>
             </p:txBody>
           </p:sp>
@@ -5483,7 +5567,10 @@
               <a:lstStyle/>
               <a:p>
                 <a:pPr algn="ctr"/>
-                <a:endParaRPr lang="zh-CN" altLang="en-US"/>
+                <a:endParaRPr lang="zh-CN" altLang="en-US" sz="900">
+                  <a:latin typeface="微软雅黑" panose="020B0503020204020204" pitchFamily="34" charset="-122"/>
+                  <a:ea typeface="微软雅黑" panose="020B0503020204020204" pitchFamily="34" charset="-122"/>
+                </a:endParaRPr>
               </a:p>
             </p:txBody>
           </p:sp>
@@ -5496,8 +5583,8 @@
           </p:nvSpPr>
           <p:spPr>
             <a:xfrm>
-              <a:off x="6399612" y="1990719"/>
-              <a:ext cx="917239" cy="246221"/>
+              <a:off x="6436481" y="1990719"/>
+              <a:ext cx="843500" cy="230832"/>
             </a:xfrm>
             <a:prstGeom prst="rect">
               <a:avLst/>
@@ -5511,13 +5598,13 @@
             <a:p>
               <a:pPr algn="ctr"/>
               <a:r>
-                <a:rPr lang="en-US" altLang="zh-CN" sz="1000" dirty="0" err="1" smtClean="0">
+                <a:rPr lang="en-US" altLang="zh-CN" sz="900" dirty="0" err="1" smtClean="0">
                   <a:latin typeface="微软雅黑" panose="020B0503020204020204" pitchFamily="34" charset="-122"/>
                   <a:ea typeface="微软雅黑" panose="020B0503020204020204" pitchFamily="34" charset="-122"/>
                 </a:rPr>
                 <a:t>order_detail</a:t>
               </a:r>
-              <a:endParaRPr lang="zh-CN" altLang="en-US" sz="1000" dirty="0">
+              <a:endParaRPr lang="zh-CN" altLang="en-US" sz="900" dirty="0">
                 <a:latin typeface="微软雅黑" panose="020B0503020204020204" pitchFamily="34" charset="-122"/>
                 <a:ea typeface="微软雅黑" panose="020B0503020204020204" pitchFamily="34" charset="-122"/>
               </a:endParaRPr>
@@ -5587,7 +5674,10 @@
               <a:lstStyle/>
               <a:p>
                 <a:pPr algn="ctr"/>
-                <a:endParaRPr lang="zh-CN" altLang="en-US"/>
+                <a:endParaRPr lang="zh-CN" altLang="en-US" sz="900">
+                  <a:latin typeface="微软雅黑" panose="020B0503020204020204" pitchFamily="34" charset="-122"/>
+                  <a:ea typeface="微软雅黑" panose="020B0503020204020204" pitchFamily="34" charset="-122"/>
+                </a:endParaRPr>
               </a:p>
             </p:txBody>
           </p:sp>
@@ -5640,7 +5730,10 @@
               <a:lstStyle/>
               <a:p>
                 <a:pPr algn="ctr"/>
-                <a:endParaRPr lang="zh-CN" altLang="en-US"/>
+                <a:endParaRPr lang="zh-CN" altLang="en-US" sz="900">
+                  <a:latin typeface="微软雅黑" panose="020B0503020204020204" pitchFamily="34" charset="-122"/>
+                  <a:ea typeface="微软雅黑" panose="020B0503020204020204" pitchFamily="34" charset="-122"/>
+                </a:endParaRPr>
               </a:p>
             </p:txBody>
           </p:sp>
@@ -5693,7 +5786,10 @@
               <a:lstStyle/>
               <a:p>
                 <a:pPr algn="ctr"/>
-                <a:endParaRPr lang="zh-CN" altLang="en-US"/>
+                <a:endParaRPr lang="zh-CN" altLang="en-US" sz="900">
+                  <a:latin typeface="微软雅黑" panose="020B0503020204020204" pitchFamily="34" charset="-122"/>
+                  <a:ea typeface="微软雅黑" panose="020B0503020204020204" pitchFamily="34" charset="-122"/>
+                </a:endParaRPr>
               </a:p>
             </p:txBody>
           </p:sp>
@@ -5746,7 +5842,10 @@
               <a:lstStyle/>
               <a:p>
                 <a:pPr algn="ctr"/>
-                <a:endParaRPr lang="zh-CN" altLang="en-US"/>
+                <a:endParaRPr lang="zh-CN" altLang="en-US" sz="900">
+                  <a:latin typeface="微软雅黑" panose="020B0503020204020204" pitchFamily="34" charset="-122"/>
+                  <a:ea typeface="微软雅黑" panose="020B0503020204020204" pitchFamily="34" charset="-122"/>
+                </a:endParaRPr>
               </a:p>
             </p:txBody>
           </p:sp>
@@ -5790,7 +5889,10 @@
               <a:lstStyle/>
               <a:p>
                 <a:pPr algn="ctr"/>
-                <a:endParaRPr lang="zh-CN" altLang="en-US"/>
+                <a:endParaRPr lang="zh-CN" altLang="en-US" sz="900">
+                  <a:latin typeface="微软雅黑" panose="020B0503020204020204" pitchFamily="34" charset="-122"/>
+                  <a:ea typeface="微软雅黑" panose="020B0503020204020204" pitchFamily="34" charset="-122"/>
+                </a:endParaRPr>
               </a:p>
             </p:txBody>
           </p:sp>
@@ -5842,7 +5944,10 @@
             <a:lstStyle/>
             <a:p>
               <a:pPr algn="ctr"/>
-              <a:endParaRPr lang="zh-CN" altLang="en-US"/>
+              <a:endParaRPr lang="zh-CN" altLang="en-US" sz="900">
+                <a:latin typeface="微软雅黑" panose="020B0503020204020204" pitchFamily="34" charset="-122"/>
+                <a:ea typeface="微软雅黑" panose="020B0503020204020204" pitchFamily="34" charset="-122"/>
+              </a:endParaRPr>
             </a:p>
           </p:txBody>
         </p:sp>
@@ -5858,8 +5963,8 @@
         </p:nvCxnSpPr>
         <p:spPr>
           <a:xfrm rot="5400000">
-            <a:off x="5344570" y="2232081"/>
-            <a:ext cx="536080" cy="1462147"/>
+            <a:off x="5337884" y="2287951"/>
+            <a:ext cx="515012" cy="1427707"/>
           </a:xfrm>
           <a:prstGeom prst="bentConnector3">
             <a:avLst>
@@ -5899,8 +6004,8 @@
         </p:nvCxnSpPr>
         <p:spPr>
           <a:xfrm rot="5400000">
-            <a:off x="5835276" y="2722787"/>
-            <a:ext cx="536080" cy="480735"/>
+            <a:off x="5828590" y="2778657"/>
+            <a:ext cx="515012" cy="446295"/>
           </a:xfrm>
           <a:prstGeom prst="bentConnector3">
             <a:avLst>
@@ -5940,8 +6045,8 @@
         </p:nvCxnSpPr>
         <p:spPr>
           <a:xfrm rot="16200000" flipH="1">
-            <a:off x="6325981" y="2712815"/>
-            <a:ext cx="536080" cy="500677"/>
+            <a:off x="6319295" y="2734245"/>
+            <a:ext cx="515012" cy="535117"/>
           </a:xfrm>
           <a:prstGeom prst="bentConnector3">
             <a:avLst>
@@ -5981,8 +6086,8 @@
         </p:nvCxnSpPr>
         <p:spPr>
           <a:xfrm rot="16200000" flipH="1">
-            <a:off x="6816687" y="2222109"/>
-            <a:ext cx="536080" cy="1482089"/>
+            <a:off x="6810001" y="2243539"/>
+            <a:ext cx="515012" cy="1516529"/>
           </a:xfrm>
           <a:prstGeom prst="bentConnector3">
             <a:avLst>

--- a/mycat/README.pptx
+++ b/mycat/README.pptx
@@ -3414,8 +3414,8 @@
         </p:nvSpPr>
         <p:spPr>
           <a:xfrm>
-            <a:off x="3638306" y="3259310"/>
-            <a:ext cx="523636" cy="267768"/>
+            <a:off x="3662108" y="3271482"/>
+            <a:ext cx="476033" cy="243425"/>
           </a:xfrm>
           <a:prstGeom prst="can">
             <a:avLst/>
@@ -3472,8 +3472,8 @@
         </p:nvSpPr>
         <p:spPr>
           <a:xfrm>
-            <a:off x="4619718" y="3259310"/>
-            <a:ext cx="523636" cy="267768"/>
+            <a:off x="4643520" y="3271482"/>
+            <a:ext cx="476033" cy="243425"/>
           </a:xfrm>
           <a:prstGeom prst="can">
             <a:avLst/>
@@ -3530,8 +3530,8 @@
         </p:nvSpPr>
         <p:spPr>
           <a:xfrm>
-            <a:off x="5601130" y="3259310"/>
-            <a:ext cx="523636" cy="267768"/>
+            <a:off x="5624932" y="3271482"/>
+            <a:ext cx="476033" cy="243425"/>
           </a:xfrm>
           <a:prstGeom prst="can">
             <a:avLst/>
@@ -3588,8 +3588,8 @@
         </p:nvSpPr>
         <p:spPr>
           <a:xfrm>
-            <a:off x="6582542" y="3259310"/>
-            <a:ext cx="523636" cy="267768"/>
+            <a:off x="6606344" y="3271482"/>
+            <a:ext cx="476033" cy="243425"/>
           </a:xfrm>
           <a:prstGeom prst="can">
             <a:avLst/>
@@ -3646,8 +3646,8 @@
         </p:nvSpPr>
         <p:spPr>
           <a:xfrm>
-            <a:off x="7563954" y="3259310"/>
-            <a:ext cx="523636" cy="267768"/>
+            <a:off x="7587756" y="3271482"/>
+            <a:ext cx="476033" cy="243425"/>
           </a:xfrm>
           <a:prstGeom prst="can">
             <a:avLst/>
@@ -3707,8 +3707,8 @@
         </p:nvCxnSpPr>
         <p:spPr>
           <a:xfrm flipH="1">
-            <a:off x="3900124" y="2743207"/>
-            <a:ext cx="905" cy="516103"/>
+            <a:off x="3900125" y="2846626"/>
+            <a:ext cx="840" cy="424856"/>
           </a:xfrm>
           <a:prstGeom prst="line">
             <a:avLst/>
@@ -3735,1003 +3735,75 @@
           </a:fontRef>
         </p:style>
       </p:cxnSp>
+      <p:sp>
+        <p:nvSpPr>
+          <p:cNvPr id="33" name="矩形 32"/>
+          <p:cNvSpPr/>
+          <p:nvPr/>
+        </p:nvSpPr>
+        <p:spPr>
+          <a:xfrm>
+            <a:off x="4194291" y="4217703"/>
+            <a:ext cx="534725" cy="151061"/>
+          </a:xfrm>
+          <a:prstGeom prst="rect">
+            <a:avLst/>
+          </a:prstGeom>
+        </p:spPr>
+        <p:txBody>
+          <a:bodyPr wrap="none">
+            <a:spAutoFit/>
+          </a:bodyPr>
+          <a:lstStyle/>
+          <a:p>
+            <a:pPr algn="ctr"/>
+            <a:r>
+              <a:rPr lang="en-US" altLang="zh-CN" sz="900" dirty="0" smtClean="0">
+                <a:latin typeface="微软雅黑" panose="020B0503020204020204" pitchFamily="34" charset="-122"/>
+                <a:ea typeface="微软雅黑" panose="020B0503020204020204" pitchFamily="34" charset="-122"/>
+              </a:rPr>
+              <a:t>member</a:t>
+            </a:r>
+            <a:endParaRPr lang="zh-CN" altLang="en-US" sz="900" dirty="0">
+              <a:latin typeface="微软雅黑" panose="020B0503020204020204" pitchFamily="34" charset="-122"/>
+              <a:ea typeface="微软雅黑" panose="020B0503020204020204" pitchFamily="34" charset="-122"/>
+            </a:endParaRPr>
+          </a:p>
+        </p:txBody>
+      </p:sp>
       <p:grpSp>
         <p:nvGrpSpPr>
-          <p:cNvPr id="55" name="组合 54"/>
+          <p:cNvPr id="34" name="组合 33"/>
           <p:cNvGrpSpPr/>
           <p:nvPr/>
         </p:nvGrpSpPr>
         <p:grpSpPr>
           <a:xfrm>
-            <a:off x="3885828" y="4008221"/>
-            <a:ext cx="2922032" cy="566139"/>
-            <a:chOff x="3357576" y="5629523"/>
-            <a:chExt cx="3030334" cy="712271"/>
+            <a:off x="4251828" y="3985215"/>
+            <a:ext cx="406569" cy="242211"/>
+            <a:chOff x="2857287" y="3434440"/>
+            <a:chExt cx="492645" cy="370115"/>
           </a:xfrm>
         </p:grpSpPr>
         <p:sp>
           <p:nvSpPr>
-            <p:cNvPr id="33" name="矩形 32"/>
+            <p:cNvPr id="35" name="矩形 34"/>
             <p:cNvSpPr/>
             <p:nvPr/>
           </p:nvSpPr>
           <p:spPr>
             <a:xfrm>
-              <a:off x="3446914" y="6071720"/>
-              <a:ext cx="647933" cy="230832"/>
+              <a:off x="2857594" y="3434442"/>
+              <a:ext cx="246169" cy="185057"/>
             </a:xfrm>
             <a:prstGeom prst="rect">
               <a:avLst/>
             </a:prstGeom>
-          </p:spPr>
-          <p:txBody>
-            <a:bodyPr wrap="none">
-              <a:spAutoFit/>
-            </a:bodyPr>
-            <a:lstStyle/>
-            <a:p>
-              <a:pPr algn="ctr"/>
-              <a:r>
-                <a:rPr lang="en-US" altLang="zh-CN" sz="900" dirty="0" smtClean="0">
-                  <a:latin typeface="微软雅黑" panose="020B0503020204020204" pitchFamily="34" charset="-122"/>
-                  <a:ea typeface="微软雅黑" panose="020B0503020204020204" pitchFamily="34" charset="-122"/>
-                </a:rPr>
-                <a:t>member</a:t>
-              </a:r>
-              <a:endParaRPr lang="zh-CN" altLang="en-US" sz="900" dirty="0">
-                <a:latin typeface="微软雅黑" panose="020B0503020204020204" pitchFamily="34" charset="-122"/>
-                <a:ea typeface="微软雅黑" panose="020B0503020204020204" pitchFamily="34" charset="-122"/>
-              </a:endParaRPr>
-            </a:p>
-          </p:txBody>
-        </p:sp>
-        <p:grpSp>
-          <p:nvGrpSpPr>
-            <p:cNvPr id="34" name="组合 33"/>
-            <p:cNvGrpSpPr/>
-            <p:nvPr/>
-          </p:nvGrpSpPr>
-          <p:grpSpPr>
-            <a:xfrm>
-              <a:off x="3516633" y="5716462"/>
-              <a:ext cx="492645" cy="370115"/>
-              <a:chOff x="2857287" y="3434440"/>
-              <a:chExt cx="492645" cy="370115"/>
-            </a:xfrm>
-          </p:grpSpPr>
-          <p:sp>
-            <p:nvSpPr>
-              <p:cNvPr id="35" name="矩形 34"/>
-              <p:cNvSpPr/>
-              <p:nvPr/>
-            </p:nvSpPr>
-            <p:spPr>
-              <a:xfrm>
-                <a:off x="2857594" y="3434442"/>
-                <a:ext cx="246169" cy="185057"/>
-              </a:xfrm>
-              <a:prstGeom prst="rect">
-                <a:avLst/>
-              </a:prstGeom>
-              <a:solidFill>
-                <a:schemeClr val="bg1">
-                  <a:lumMod val="75000"/>
-                </a:schemeClr>
-              </a:solidFill>
-              <a:ln w="6350">
-                <a:solidFill>
-                  <a:schemeClr val="bg1">
-                    <a:lumMod val="50000"/>
-                  </a:schemeClr>
-                </a:solidFill>
-                <a:prstDash val="dash"/>
-              </a:ln>
-            </p:spPr>
-            <p:style>
-              <a:lnRef idx="2">
-                <a:schemeClr val="accent1">
-                  <a:shade val="50000"/>
-                </a:schemeClr>
-              </a:lnRef>
-              <a:fillRef idx="1">
-                <a:schemeClr val="accent1"/>
-              </a:fillRef>
-              <a:effectRef idx="0">
-                <a:schemeClr val="accent1"/>
-              </a:effectRef>
-              <a:fontRef idx="minor">
-                <a:schemeClr val="lt1"/>
-              </a:fontRef>
-            </p:style>
-            <p:txBody>
-              <a:bodyPr rtlCol="0" anchor="ctr"/>
-              <a:lstStyle/>
-              <a:p>
-                <a:pPr algn="ctr"/>
-                <a:endParaRPr lang="zh-CN" altLang="en-US" sz="900">
-                  <a:latin typeface="微软雅黑" panose="020B0503020204020204" pitchFamily="34" charset="-122"/>
-                  <a:ea typeface="微软雅黑" panose="020B0503020204020204" pitchFamily="34" charset="-122"/>
-                </a:endParaRPr>
-              </a:p>
-            </p:txBody>
-          </p:sp>
-          <p:sp>
-            <p:nvSpPr>
-              <p:cNvPr id="36" name="矩形 35"/>
-              <p:cNvSpPr/>
-              <p:nvPr/>
-            </p:nvSpPr>
-            <p:spPr>
-              <a:xfrm>
-                <a:off x="3103763" y="3434441"/>
-                <a:ext cx="246169" cy="185057"/>
-              </a:xfrm>
-              <a:prstGeom prst="rect">
-                <a:avLst/>
-              </a:prstGeom>
-              <a:solidFill>
-                <a:schemeClr val="bg1">
-                  <a:lumMod val="75000"/>
-                </a:schemeClr>
-              </a:solidFill>
-              <a:ln w="6350">
-                <a:solidFill>
-                  <a:schemeClr val="bg1">
-                    <a:lumMod val="50000"/>
-                  </a:schemeClr>
-                </a:solidFill>
-                <a:prstDash val="dash"/>
-              </a:ln>
-            </p:spPr>
-            <p:style>
-              <a:lnRef idx="2">
-                <a:schemeClr val="accent1">
-                  <a:shade val="50000"/>
-                </a:schemeClr>
-              </a:lnRef>
-              <a:fillRef idx="1">
-                <a:schemeClr val="accent1"/>
-              </a:fillRef>
-              <a:effectRef idx="0">
-                <a:schemeClr val="accent1"/>
-              </a:effectRef>
-              <a:fontRef idx="minor">
-                <a:schemeClr val="lt1"/>
-              </a:fontRef>
-            </p:style>
-            <p:txBody>
-              <a:bodyPr rtlCol="0" anchor="ctr"/>
-              <a:lstStyle/>
-              <a:p>
-                <a:pPr algn="ctr"/>
-                <a:endParaRPr lang="zh-CN" altLang="en-US" sz="900">
-                  <a:latin typeface="微软雅黑" panose="020B0503020204020204" pitchFamily="34" charset="-122"/>
-                  <a:ea typeface="微软雅黑" panose="020B0503020204020204" pitchFamily="34" charset="-122"/>
-                </a:endParaRPr>
-              </a:p>
-            </p:txBody>
-          </p:sp>
-          <p:sp>
-            <p:nvSpPr>
-              <p:cNvPr id="37" name="矩形 36"/>
-              <p:cNvSpPr/>
-              <p:nvPr/>
-            </p:nvSpPr>
-            <p:spPr>
-              <a:xfrm>
-                <a:off x="2857594" y="3619498"/>
-                <a:ext cx="246169" cy="185057"/>
-              </a:xfrm>
-              <a:prstGeom prst="rect">
-                <a:avLst/>
-              </a:prstGeom>
-              <a:solidFill>
-                <a:schemeClr val="bg1">
-                  <a:lumMod val="75000"/>
-                </a:schemeClr>
-              </a:solidFill>
-              <a:ln w="6350">
-                <a:solidFill>
-                  <a:schemeClr val="bg1">
-                    <a:lumMod val="50000"/>
-                  </a:schemeClr>
-                </a:solidFill>
-                <a:prstDash val="dash"/>
-              </a:ln>
-            </p:spPr>
-            <p:style>
-              <a:lnRef idx="2">
-                <a:schemeClr val="accent1">
-                  <a:shade val="50000"/>
-                </a:schemeClr>
-              </a:lnRef>
-              <a:fillRef idx="1">
-                <a:schemeClr val="accent1"/>
-              </a:fillRef>
-              <a:effectRef idx="0">
-                <a:schemeClr val="accent1"/>
-              </a:effectRef>
-              <a:fontRef idx="minor">
-                <a:schemeClr val="lt1"/>
-              </a:fontRef>
-            </p:style>
-            <p:txBody>
-              <a:bodyPr rtlCol="0" anchor="ctr"/>
-              <a:lstStyle/>
-              <a:p>
-                <a:pPr algn="ctr"/>
-                <a:endParaRPr lang="zh-CN" altLang="en-US" sz="900">
-                  <a:latin typeface="微软雅黑" panose="020B0503020204020204" pitchFamily="34" charset="-122"/>
-                  <a:ea typeface="微软雅黑" panose="020B0503020204020204" pitchFamily="34" charset="-122"/>
-                </a:endParaRPr>
-              </a:p>
-            </p:txBody>
-          </p:sp>
-          <p:sp>
-            <p:nvSpPr>
-              <p:cNvPr id="38" name="矩形 37"/>
-              <p:cNvSpPr/>
-              <p:nvPr/>
-            </p:nvSpPr>
-            <p:spPr>
-              <a:xfrm>
-                <a:off x="3103763" y="3619498"/>
-                <a:ext cx="246169" cy="185057"/>
-              </a:xfrm>
-              <a:prstGeom prst="rect">
-                <a:avLst/>
-              </a:prstGeom>
-              <a:solidFill>
-                <a:schemeClr val="bg1">
-                  <a:lumMod val="75000"/>
-                </a:schemeClr>
-              </a:solidFill>
-              <a:ln w="6350">
-                <a:solidFill>
-                  <a:schemeClr val="bg1">
-                    <a:lumMod val="50000"/>
-                  </a:schemeClr>
-                </a:solidFill>
-                <a:prstDash val="dash"/>
-              </a:ln>
-            </p:spPr>
-            <p:style>
-              <a:lnRef idx="2">
-                <a:schemeClr val="accent1">
-                  <a:shade val="50000"/>
-                </a:schemeClr>
-              </a:lnRef>
-              <a:fillRef idx="1">
-                <a:schemeClr val="accent1"/>
-              </a:fillRef>
-              <a:effectRef idx="0">
-                <a:schemeClr val="accent1"/>
-              </a:effectRef>
-              <a:fontRef idx="minor">
-                <a:schemeClr val="lt1"/>
-              </a:fontRef>
-            </p:style>
-            <p:txBody>
-              <a:bodyPr rtlCol="0" anchor="ctr"/>
-              <a:lstStyle/>
-              <a:p>
-                <a:pPr algn="ctr"/>
-                <a:endParaRPr lang="zh-CN" altLang="en-US" sz="900">
-                  <a:latin typeface="微软雅黑" panose="020B0503020204020204" pitchFamily="34" charset="-122"/>
-                  <a:ea typeface="微软雅黑" panose="020B0503020204020204" pitchFamily="34" charset="-122"/>
-                </a:endParaRPr>
-              </a:p>
-            </p:txBody>
-          </p:sp>
-          <p:sp>
-            <p:nvSpPr>
-              <p:cNvPr id="39" name="矩形 38"/>
-              <p:cNvSpPr/>
-              <p:nvPr/>
-            </p:nvSpPr>
-            <p:spPr>
-              <a:xfrm>
-                <a:off x="2857287" y="3434440"/>
-                <a:ext cx="492338" cy="370115"/>
-              </a:xfrm>
-              <a:prstGeom prst="rect">
-                <a:avLst/>
-              </a:prstGeom>
-              <a:noFill/>
-              <a:ln>
-                <a:noFill/>
-              </a:ln>
-            </p:spPr>
-            <p:style>
-              <a:lnRef idx="2">
-                <a:schemeClr val="accent1">
-                  <a:shade val="50000"/>
-                </a:schemeClr>
-              </a:lnRef>
-              <a:fillRef idx="1">
-                <a:schemeClr val="accent1"/>
-              </a:fillRef>
-              <a:effectRef idx="0">
-                <a:schemeClr val="accent1"/>
-              </a:effectRef>
-              <a:fontRef idx="minor">
-                <a:schemeClr val="lt1"/>
-              </a:fontRef>
-            </p:style>
-            <p:txBody>
-              <a:bodyPr rtlCol="0" anchor="ctr"/>
-              <a:lstStyle/>
-              <a:p>
-                <a:pPr algn="ctr"/>
-                <a:endParaRPr lang="zh-CN" altLang="en-US" sz="900">
-                  <a:latin typeface="微软雅黑" panose="020B0503020204020204" pitchFamily="34" charset="-122"/>
-                  <a:ea typeface="微软雅黑" panose="020B0503020204020204" pitchFamily="34" charset="-122"/>
-                </a:endParaRPr>
-              </a:p>
-            </p:txBody>
-          </p:sp>
-        </p:grpSp>
-        <p:sp>
-          <p:nvSpPr>
-            <p:cNvPr id="40" name="矩形 39"/>
-            <p:cNvSpPr/>
-            <p:nvPr/>
-          </p:nvSpPr>
-          <p:spPr>
-            <a:xfrm>
-              <a:off x="4145035" y="6071720"/>
-              <a:ext cx="998991" cy="230832"/>
-            </a:xfrm>
-            <a:prstGeom prst="rect">
-              <a:avLst/>
-            </a:prstGeom>
-          </p:spPr>
-          <p:txBody>
-            <a:bodyPr wrap="none">
-              <a:spAutoFit/>
-            </a:bodyPr>
-            <a:lstStyle/>
-            <a:p>
-              <a:pPr algn="ctr"/>
-              <a:r>
-                <a:rPr lang="en-US" altLang="zh-CN" sz="900" dirty="0" err="1" smtClean="0">
-                  <a:latin typeface="微软雅黑" panose="020B0503020204020204" pitchFamily="34" charset="-122"/>
-                  <a:ea typeface="微软雅黑" panose="020B0503020204020204" pitchFamily="34" charset="-122"/>
-                </a:rPr>
-                <a:t>member_order</a:t>
-              </a:r>
-              <a:endParaRPr lang="zh-CN" altLang="en-US" sz="900" dirty="0">
-                <a:latin typeface="微软雅黑" panose="020B0503020204020204" pitchFamily="34" charset="-122"/>
-                <a:ea typeface="微软雅黑" panose="020B0503020204020204" pitchFamily="34" charset="-122"/>
-              </a:endParaRPr>
-            </a:p>
-          </p:txBody>
-        </p:sp>
-        <p:grpSp>
-          <p:nvGrpSpPr>
-            <p:cNvPr id="41" name="组合 40"/>
-            <p:cNvGrpSpPr/>
-            <p:nvPr/>
-          </p:nvGrpSpPr>
-          <p:grpSpPr>
-            <a:xfrm>
-              <a:off x="4391028" y="5716462"/>
-              <a:ext cx="492645" cy="370115"/>
-              <a:chOff x="2857287" y="3434440"/>
-              <a:chExt cx="492645" cy="370115"/>
-            </a:xfrm>
-          </p:grpSpPr>
-          <p:sp>
-            <p:nvSpPr>
-              <p:cNvPr id="42" name="矩形 41"/>
-              <p:cNvSpPr/>
-              <p:nvPr/>
-            </p:nvSpPr>
-            <p:spPr>
-              <a:xfrm>
-                <a:off x="2857594" y="3434442"/>
-                <a:ext cx="246169" cy="185057"/>
-              </a:xfrm>
-              <a:prstGeom prst="rect">
-                <a:avLst/>
-              </a:prstGeom>
-              <a:solidFill>
-                <a:schemeClr val="bg1">
-                  <a:lumMod val="75000"/>
-                </a:schemeClr>
-              </a:solidFill>
-              <a:ln w="6350">
-                <a:solidFill>
-                  <a:schemeClr val="bg1">
-                    <a:lumMod val="50000"/>
-                  </a:schemeClr>
-                </a:solidFill>
-                <a:prstDash val="dash"/>
-              </a:ln>
-            </p:spPr>
-            <p:style>
-              <a:lnRef idx="2">
-                <a:schemeClr val="accent1">
-                  <a:shade val="50000"/>
-                </a:schemeClr>
-              </a:lnRef>
-              <a:fillRef idx="1">
-                <a:schemeClr val="accent1"/>
-              </a:fillRef>
-              <a:effectRef idx="0">
-                <a:schemeClr val="accent1"/>
-              </a:effectRef>
-              <a:fontRef idx="minor">
-                <a:schemeClr val="lt1"/>
-              </a:fontRef>
-            </p:style>
-            <p:txBody>
-              <a:bodyPr rtlCol="0" anchor="ctr"/>
-              <a:lstStyle/>
-              <a:p>
-                <a:pPr algn="ctr"/>
-                <a:endParaRPr lang="zh-CN" altLang="en-US" sz="900">
-                  <a:latin typeface="微软雅黑" panose="020B0503020204020204" pitchFamily="34" charset="-122"/>
-                  <a:ea typeface="微软雅黑" panose="020B0503020204020204" pitchFamily="34" charset="-122"/>
-                </a:endParaRPr>
-              </a:p>
-            </p:txBody>
-          </p:sp>
-          <p:sp>
-            <p:nvSpPr>
-              <p:cNvPr id="43" name="矩形 42"/>
-              <p:cNvSpPr/>
-              <p:nvPr/>
-            </p:nvSpPr>
-            <p:spPr>
-              <a:xfrm>
-                <a:off x="3103763" y="3434441"/>
-                <a:ext cx="246169" cy="185057"/>
-              </a:xfrm>
-              <a:prstGeom prst="rect">
-                <a:avLst/>
-              </a:prstGeom>
-              <a:solidFill>
-                <a:schemeClr val="bg1">
-                  <a:lumMod val="75000"/>
-                </a:schemeClr>
-              </a:solidFill>
-              <a:ln w="6350">
-                <a:solidFill>
-                  <a:schemeClr val="bg1">
-                    <a:lumMod val="50000"/>
-                  </a:schemeClr>
-                </a:solidFill>
-                <a:prstDash val="dash"/>
-              </a:ln>
-            </p:spPr>
-            <p:style>
-              <a:lnRef idx="2">
-                <a:schemeClr val="accent1">
-                  <a:shade val="50000"/>
-                </a:schemeClr>
-              </a:lnRef>
-              <a:fillRef idx="1">
-                <a:schemeClr val="accent1"/>
-              </a:fillRef>
-              <a:effectRef idx="0">
-                <a:schemeClr val="accent1"/>
-              </a:effectRef>
-              <a:fontRef idx="minor">
-                <a:schemeClr val="lt1"/>
-              </a:fontRef>
-            </p:style>
-            <p:txBody>
-              <a:bodyPr rtlCol="0" anchor="ctr"/>
-              <a:lstStyle/>
-              <a:p>
-                <a:pPr algn="ctr"/>
-                <a:endParaRPr lang="zh-CN" altLang="en-US" sz="900">
-                  <a:latin typeface="微软雅黑" panose="020B0503020204020204" pitchFamily="34" charset="-122"/>
-                  <a:ea typeface="微软雅黑" panose="020B0503020204020204" pitchFamily="34" charset="-122"/>
-                </a:endParaRPr>
-              </a:p>
-            </p:txBody>
-          </p:sp>
-          <p:sp>
-            <p:nvSpPr>
-              <p:cNvPr id="44" name="矩形 43"/>
-              <p:cNvSpPr/>
-              <p:nvPr/>
-            </p:nvSpPr>
-            <p:spPr>
-              <a:xfrm>
-                <a:off x="2857594" y="3619498"/>
-                <a:ext cx="246169" cy="185057"/>
-              </a:xfrm>
-              <a:prstGeom prst="rect">
-                <a:avLst/>
-              </a:prstGeom>
-              <a:solidFill>
-                <a:schemeClr val="bg1">
-                  <a:lumMod val="75000"/>
-                </a:schemeClr>
-              </a:solidFill>
-              <a:ln w="6350">
-                <a:solidFill>
-                  <a:schemeClr val="bg1">
-                    <a:lumMod val="50000"/>
-                  </a:schemeClr>
-                </a:solidFill>
-                <a:prstDash val="dash"/>
-              </a:ln>
-            </p:spPr>
-            <p:style>
-              <a:lnRef idx="2">
-                <a:schemeClr val="accent1">
-                  <a:shade val="50000"/>
-                </a:schemeClr>
-              </a:lnRef>
-              <a:fillRef idx="1">
-                <a:schemeClr val="accent1"/>
-              </a:fillRef>
-              <a:effectRef idx="0">
-                <a:schemeClr val="accent1"/>
-              </a:effectRef>
-              <a:fontRef idx="minor">
-                <a:schemeClr val="lt1"/>
-              </a:fontRef>
-            </p:style>
-            <p:txBody>
-              <a:bodyPr rtlCol="0" anchor="ctr"/>
-              <a:lstStyle/>
-              <a:p>
-                <a:pPr algn="ctr"/>
-                <a:endParaRPr lang="zh-CN" altLang="en-US" sz="900">
-                  <a:latin typeface="微软雅黑" panose="020B0503020204020204" pitchFamily="34" charset="-122"/>
-                  <a:ea typeface="微软雅黑" panose="020B0503020204020204" pitchFamily="34" charset="-122"/>
-                </a:endParaRPr>
-              </a:p>
-            </p:txBody>
-          </p:sp>
-          <p:sp>
-            <p:nvSpPr>
-              <p:cNvPr id="45" name="矩形 44"/>
-              <p:cNvSpPr/>
-              <p:nvPr/>
-            </p:nvSpPr>
-            <p:spPr>
-              <a:xfrm>
-                <a:off x="3103763" y="3619498"/>
-                <a:ext cx="246169" cy="185057"/>
-              </a:xfrm>
-              <a:prstGeom prst="rect">
-                <a:avLst/>
-              </a:prstGeom>
-              <a:solidFill>
-                <a:schemeClr val="bg1">
-                  <a:lumMod val="75000"/>
-                </a:schemeClr>
-              </a:solidFill>
-              <a:ln w="6350">
-                <a:solidFill>
-                  <a:schemeClr val="bg1">
-                    <a:lumMod val="50000"/>
-                  </a:schemeClr>
-                </a:solidFill>
-                <a:prstDash val="dash"/>
-              </a:ln>
-            </p:spPr>
-            <p:style>
-              <a:lnRef idx="2">
-                <a:schemeClr val="accent1">
-                  <a:shade val="50000"/>
-                </a:schemeClr>
-              </a:lnRef>
-              <a:fillRef idx="1">
-                <a:schemeClr val="accent1"/>
-              </a:fillRef>
-              <a:effectRef idx="0">
-                <a:schemeClr val="accent1"/>
-              </a:effectRef>
-              <a:fontRef idx="minor">
-                <a:schemeClr val="lt1"/>
-              </a:fontRef>
-            </p:style>
-            <p:txBody>
-              <a:bodyPr rtlCol="0" anchor="ctr"/>
-              <a:lstStyle/>
-              <a:p>
-                <a:pPr algn="ctr"/>
-                <a:endParaRPr lang="zh-CN" altLang="en-US" sz="900">
-                  <a:latin typeface="微软雅黑" panose="020B0503020204020204" pitchFamily="34" charset="-122"/>
-                  <a:ea typeface="微软雅黑" panose="020B0503020204020204" pitchFamily="34" charset="-122"/>
-                </a:endParaRPr>
-              </a:p>
-            </p:txBody>
-          </p:sp>
-          <p:sp>
-            <p:nvSpPr>
-              <p:cNvPr id="46" name="矩形 45"/>
-              <p:cNvSpPr/>
-              <p:nvPr/>
-            </p:nvSpPr>
-            <p:spPr>
-              <a:xfrm>
-                <a:off x="2857287" y="3434440"/>
-                <a:ext cx="492338" cy="370115"/>
-              </a:xfrm>
-              <a:prstGeom prst="rect">
-                <a:avLst/>
-              </a:prstGeom>
-              <a:noFill/>
-              <a:ln>
-                <a:noFill/>
-              </a:ln>
-            </p:spPr>
-            <p:style>
-              <a:lnRef idx="2">
-                <a:schemeClr val="accent1">
-                  <a:shade val="50000"/>
-                </a:schemeClr>
-              </a:lnRef>
-              <a:fillRef idx="1">
-                <a:schemeClr val="accent1"/>
-              </a:fillRef>
-              <a:effectRef idx="0">
-                <a:schemeClr val="accent1"/>
-              </a:effectRef>
-              <a:fontRef idx="minor">
-                <a:schemeClr val="lt1"/>
-              </a:fontRef>
-            </p:style>
-            <p:txBody>
-              <a:bodyPr rtlCol="0" anchor="ctr"/>
-              <a:lstStyle/>
-              <a:p>
-                <a:pPr algn="ctr"/>
-                <a:endParaRPr lang="zh-CN" altLang="en-US" sz="900">
-                  <a:latin typeface="微软雅黑" panose="020B0503020204020204" pitchFamily="34" charset="-122"/>
-                  <a:ea typeface="微软雅黑" panose="020B0503020204020204" pitchFamily="34" charset="-122"/>
-                </a:endParaRPr>
-              </a:p>
-            </p:txBody>
-          </p:sp>
-        </p:grpSp>
-        <p:sp>
-          <p:nvSpPr>
-            <p:cNvPr id="47" name="矩形 46"/>
-            <p:cNvSpPr/>
-            <p:nvPr/>
-          </p:nvSpPr>
-          <p:spPr>
-            <a:xfrm>
-              <a:off x="5165556" y="6075549"/>
-              <a:ext cx="1136850" cy="230832"/>
-            </a:xfrm>
-            <a:prstGeom prst="rect">
-              <a:avLst/>
-            </a:prstGeom>
-          </p:spPr>
-          <p:txBody>
-            <a:bodyPr wrap="none">
-              <a:spAutoFit/>
-            </a:bodyPr>
-            <a:lstStyle/>
-            <a:p>
-              <a:pPr algn="ctr"/>
-              <a:r>
-                <a:rPr lang="en-US" altLang="zh-CN" sz="900" dirty="0" err="1" smtClean="0">
-                  <a:latin typeface="微软雅黑" panose="020B0503020204020204" pitchFamily="34" charset="-122"/>
-                  <a:ea typeface="微软雅黑" panose="020B0503020204020204" pitchFamily="34" charset="-122"/>
-                </a:rPr>
-                <a:t>member_account</a:t>
-              </a:r>
-              <a:endParaRPr lang="zh-CN" altLang="en-US" sz="900" dirty="0">
-                <a:latin typeface="微软雅黑" panose="020B0503020204020204" pitchFamily="34" charset="-122"/>
-                <a:ea typeface="微软雅黑" panose="020B0503020204020204" pitchFamily="34" charset="-122"/>
-              </a:endParaRPr>
-            </a:p>
-          </p:txBody>
-        </p:sp>
-        <p:grpSp>
-          <p:nvGrpSpPr>
-            <p:cNvPr id="48" name="组合 47"/>
-            <p:cNvGrpSpPr/>
-            <p:nvPr/>
-          </p:nvGrpSpPr>
-          <p:grpSpPr>
-            <a:xfrm>
-              <a:off x="5480478" y="5720291"/>
-              <a:ext cx="492645" cy="370115"/>
-              <a:chOff x="2857287" y="3434440"/>
-              <a:chExt cx="492645" cy="370115"/>
-            </a:xfrm>
-          </p:grpSpPr>
-          <p:sp>
-            <p:nvSpPr>
-              <p:cNvPr id="49" name="矩形 48"/>
-              <p:cNvSpPr/>
-              <p:nvPr/>
-            </p:nvSpPr>
-            <p:spPr>
-              <a:xfrm>
-                <a:off x="2857594" y="3434442"/>
-                <a:ext cx="246169" cy="185057"/>
-              </a:xfrm>
-              <a:prstGeom prst="rect">
-                <a:avLst/>
-              </a:prstGeom>
-              <a:solidFill>
-                <a:schemeClr val="bg1">
-                  <a:lumMod val="75000"/>
-                </a:schemeClr>
-              </a:solidFill>
-              <a:ln w="6350">
-                <a:solidFill>
-                  <a:schemeClr val="bg1">
-                    <a:lumMod val="50000"/>
-                  </a:schemeClr>
-                </a:solidFill>
-                <a:prstDash val="dash"/>
-              </a:ln>
-            </p:spPr>
-            <p:style>
-              <a:lnRef idx="2">
-                <a:schemeClr val="accent1">
-                  <a:shade val="50000"/>
-                </a:schemeClr>
-              </a:lnRef>
-              <a:fillRef idx="1">
-                <a:schemeClr val="accent1"/>
-              </a:fillRef>
-              <a:effectRef idx="0">
-                <a:schemeClr val="accent1"/>
-              </a:effectRef>
-              <a:fontRef idx="minor">
-                <a:schemeClr val="lt1"/>
-              </a:fontRef>
-            </p:style>
-            <p:txBody>
-              <a:bodyPr rtlCol="0" anchor="ctr"/>
-              <a:lstStyle/>
-              <a:p>
-                <a:pPr algn="ctr"/>
-                <a:endParaRPr lang="zh-CN" altLang="en-US" sz="900">
-                  <a:latin typeface="微软雅黑" panose="020B0503020204020204" pitchFamily="34" charset="-122"/>
-                  <a:ea typeface="微软雅黑" panose="020B0503020204020204" pitchFamily="34" charset="-122"/>
-                </a:endParaRPr>
-              </a:p>
-            </p:txBody>
-          </p:sp>
-          <p:sp>
-            <p:nvSpPr>
-              <p:cNvPr id="50" name="矩形 49"/>
-              <p:cNvSpPr/>
-              <p:nvPr/>
-            </p:nvSpPr>
-            <p:spPr>
-              <a:xfrm>
-                <a:off x="3103763" y="3434441"/>
-                <a:ext cx="246169" cy="185057"/>
-              </a:xfrm>
-              <a:prstGeom prst="rect">
-                <a:avLst/>
-              </a:prstGeom>
-              <a:solidFill>
-                <a:schemeClr val="bg1">
-                  <a:lumMod val="75000"/>
-                </a:schemeClr>
-              </a:solidFill>
-              <a:ln w="6350">
-                <a:solidFill>
-                  <a:schemeClr val="bg1">
-                    <a:lumMod val="50000"/>
-                  </a:schemeClr>
-                </a:solidFill>
-                <a:prstDash val="dash"/>
-              </a:ln>
-            </p:spPr>
-            <p:style>
-              <a:lnRef idx="2">
-                <a:schemeClr val="accent1">
-                  <a:shade val="50000"/>
-                </a:schemeClr>
-              </a:lnRef>
-              <a:fillRef idx="1">
-                <a:schemeClr val="accent1"/>
-              </a:fillRef>
-              <a:effectRef idx="0">
-                <a:schemeClr val="accent1"/>
-              </a:effectRef>
-              <a:fontRef idx="minor">
-                <a:schemeClr val="lt1"/>
-              </a:fontRef>
-            </p:style>
-            <p:txBody>
-              <a:bodyPr rtlCol="0" anchor="ctr"/>
-              <a:lstStyle/>
-              <a:p>
-                <a:pPr algn="ctr"/>
-                <a:endParaRPr lang="zh-CN" altLang="en-US" sz="900">
-                  <a:latin typeface="微软雅黑" panose="020B0503020204020204" pitchFamily="34" charset="-122"/>
-                  <a:ea typeface="微软雅黑" panose="020B0503020204020204" pitchFamily="34" charset="-122"/>
-                </a:endParaRPr>
-              </a:p>
-            </p:txBody>
-          </p:sp>
-          <p:sp>
-            <p:nvSpPr>
-              <p:cNvPr id="51" name="矩形 50"/>
-              <p:cNvSpPr/>
-              <p:nvPr/>
-            </p:nvSpPr>
-            <p:spPr>
-              <a:xfrm>
-                <a:off x="2857594" y="3619498"/>
-                <a:ext cx="246169" cy="185057"/>
-              </a:xfrm>
-              <a:prstGeom prst="rect">
-                <a:avLst/>
-              </a:prstGeom>
-              <a:solidFill>
-                <a:schemeClr val="bg1">
-                  <a:lumMod val="75000"/>
-                </a:schemeClr>
-              </a:solidFill>
-              <a:ln w="6350">
-                <a:solidFill>
-                  <a:schemeClr val="bg1">
-                    <a:lumMod val="50000"/>
-                  </a:schemeClr>
-                </a:solidFill>
-                <a:prstDash val="dash"/>
-              </a:ln>
-            </p:spPr>
-            <p:style>
-              <a:lnRef idx="2">
-                <a:schemeClr val="accent1">
-                  <a:shade val="50000"/>
-                </a:schemeClr>
-              </a:lnRef>
-              <a:fillRef idx="1">
-                <a:schemeClr val="accent1"/>
-              </a:fillRef>
-              <a:effectRef idx="0">
-                <a:schemeClr val="accent1"/>
-              </a:effectRef>
-              <a:fontRef idx="minor">
-                <a:schemeClr val="lt1"/>
-              </a:fontRef>
-            </p:style>
-            <p:txBody>
-              <a:bodyPr rtlCol="0" anchor="ctr"/>
-              <a:lstStyle/>
-              <a:p>
-                <a:pPr algn="ctr"/>
-                <a:endParaRPr lang="zh-CN" altLang="en-US" sz="900">
-                  <a:latin typeface="微软雅黑" panose="020B0503020204020204" pitchFamily="34" charset="-122"/>
-                  <a:ea typeface="微软雅黑" panose="020B0503020204020204" pitchFamily="34" charset="-122"/>
-                </a:endParaRPr>
-              </a:p>
-            </p:txBody>
-          </p:sp>
-          <p:sp>
-            <p:nvSpPr>
-              <p:cNvPr id="52" name="矩形 51"/>
-              <p:cNvSpPr/>
-              <p:nvPr/>
-            </p:nvSpPr>
-            <p:spPr>
-              <a:xfrm>
-                <a:off x="3103763" y="3619498"/>
-                <a:ext cx="246169" cy="185057"/>
-              </a:xfrm>
-              <a:prstGeom prst="rect">
-                <a:avLst/>
-              </a:prstGeom>
-              <a:solidFill>
-                <a:schemeClr val="bg1">
-                  <a:lumMod val="75000"/>
-                </a:schemeClr>
-              </a:solidFill>
-              <a:ln w="6350">
-                <a:solidFill>
-                  <a:schemeClr val="bg1">
-                    <a:lumMod val="50000"/>
-                  </a:schemeClr>
-                </a:solidFill>
-                <a:prstDash val="dash"/>
-              </a:ln>
-            </p:spPr>
-            <p:style>
-              <a:lnRef idx="2">
-                <a:schemeClr val="accent1">
-                  <a:shade val="50000"/>
-                </a:schemeClr>
-              </a:lnRef>
-              <a:fillRef idx="1">
-                <a:schemeClr val="accent1"/>
-              </a:fillRef>
-              <a:effectRef idx="0">
-                <a:schemeClr val="accent1"/>
-              </a:effectRef>
-              <a:fontRef idx="minor">
-                <a:schemeClr val="lt1"/>
-              </a:fontRef>
-            </p:style>
-            <p:txBody>
-              <a:bodyPr rtlCol="0" anchor="ctr"/>
-              <a:lstStyle/>
-              <a:p>
-                <a:pPr algn="ctr"/>
-                <a:endParaRPr lang="zh-CN" altLang="en-US" sz="900">
-                  <a:latin typeface="微软雅黑" panose="020B0503020204020204" pitchFamily="34" charset="-122"/>
-                  <a:ea typeface="微软雅黑" panose="020B0503020204020204" pitchFamily="34" charset="-122"/>
-                </a:endParaRPr>
-              </a:p>
-            </p:txBody>
-          </p:sp>
-          <p:sp>
-            <p:nvSpPr>
-              <p:cNvPr id="53" name="矩形 52"/>
-              <p:cNvSpPr/>
-              <p:nvPr/>
-            </p:nvSpPr>
-            <p:spPr>
-              <a:xfrm>
-                <a:off x="2857287" y="3434440"/>
-                <a:ext cx="492338" cy="370115"/>
-              </a:xfrm>
-              <a:prstGeom prst="rect">
-                <a:avLst/>
-              </a:prstGeom>
-              <a:noFill/>
-              <a:ln>
-                <a:noFill/>
-              </a:ln>
-            </p:spPr>
-            <p:style>
-              <a:lnRef idx="2">
-                <a:schemeClr val="accent1">
-                  <a:shade val="50000"/>
-                </a:schemeClr>
-              </a:lnRef>
-              <a:fillRef idx="1">
-                <a:schemeClr val="accent1"/>
-              </a:fillRef>
-              <a:effectRef idx="0">
-                <a:schemeClr val="accent1"/>
-              </a:effectRef>
-              <a:fontRef idx="minor">
-                <a:schemeClr val="lt1"/>
-              </a:fontRef>
-            </p:style>
-            <p:txBody>
-              <a:bodyPr rtlCol="0" anchor="ctr"/>
-              <a:lstStyle/>
-              <a:p>
-                <a:pPr algn="ctr"/>
-                <a:endParaRPr lang="zh-CN" altLang="en-US" sz="900">
-                  <a:latin typeface="微软雅黑" panose="020B0503020204020204" pitchFamily="34" charset="-122"/>
-                  <a:ea typeface="微软雅黑" panose="020B0503020204020204" pitchFamily="34" charset="-122"/>
-                </a:endParaRPr>
-              </a:p>
-            </p:txBody>
-          </p:sp>
-        </p:grpSp>
-        <p:sp>
-          <p:nvSpPr>
-            <p:cNvPr id="54" name="圆角矩形 53"/>
-            <p:cNvSpPr/>
-            <p:nvPr/>
-          </p:nvSpPr>
-          <p:spPr>
-            <a:xfrm>
-              <a:off x="3357576" y="5629523"/>
-              <a:ext cx="3030334" cy="712271"/>
-            </a:xfrm>
-            <a:prstGeom prst="roundRect">
-              <a:avLst>
-                <a:gd name="adj" fmla="val 11085"/>
-              </a:avLst>
-            </a:prstGeom>
-            <a:noFill/>
+            <a:solidFill>
+              <a:schemeClr val="bg1">
+                <a:lumMod val="75000"/>
+              </a:schemeClr>
+            </a:solidFill>
             <a:ln w="6350">
               <a:solidFill>
                 <a:schemeClr val="bg1">
@@ -4739,6 +3811,221 @@
                 </a:schemeClr>
               </a:solidFill>
               <a:prstDash val="dash"/>
+            </a:ln>
+          </p:spPr>
+          <p:style>
+            <a:lnRef idx="2">
+              <a:schemeClr val="accent1">
+                <a:shade val="50000"/>
+              </a:schemeClr>
+            </a:lnRef>
+            <a:fillRef idx="1">
+              <a:schemeClr val="accent1"/>
+            </a:fillRef>
+            <a:effectRef idx="0">
+              <a:schemeClr val="accent1"/>
+            </a:effectRef>
+            <a:fontRef idx="minor">
+              <a:schemeClr val="lt1"/>
+            </a:fontRef>
+          </p:style>
+          <p:txBody>
+            <a:bodyPr rtlCol="0" anchor="ctr"/>
+            <a:lstStyle/>
+            <a:p>
+              <a:pPr algn="ctr"/>
+              <a:endParaRPr lang="zh-CN" altLang="en-US" sz="900">
+                <a:latin typeface="微软雅黑" panose="020B0503020204020204" pitchFamily="34" charset="-122"/>
+                <a:ea typeface="微软雅黑" panose="020B0503020204020204" pitchFamily="34" charset="-122"/>
+              </a:endParaRPr>
+            </a:p>
+          </p:txBody>
+        </p:sp>
+        <p:sp>
+          <p:nvSpPr>
+            <p:cNvPr id="36" name="矩形 35"/>
+            <p:cNvSpPr/>
+            <p:nvPr/>
+          </p:nvSpPr>
+          <p:spPr>
+            <a:xfrm>
+              <a:off x="3103763" y="3434441"/>
+              <a:ext cx="246169" cy="185057"/>
+            </a:xfrm>
+            <a:prstGeom prst="rect">
+              <a:avLst/>
+            </a:prstGeom>
+            <a:solidFill>
+              <a:schemeClr val="bg1">
+                <a:lumMod val="75000"/>
+              </a:schemeClr>
+            </a:solidFill>
+            <a:ln w="6350">
+              <a:solidFill>
+                <a:schemeClr val="bg1">
+                  <a:lumMod val="50000"/>
+                </a:schemeClr>
+              </a:solidFill>
+              <a:prstDash val="dash"/>
+            </a:ln>
+          </p:spPr>
+          <p:style>
+            <a:lnRef idx="2">
+              <a:schemeClr val="accent1">
+                <a:shade val="50000"/>
+              </a:schemeClr>
+            </a:lnRef>
+            <a:fillRef idx="1">
+              <a:schemeClr val="accent1"/>
+            </a:fillRef>
+            <a:effectRef idx="0">
+              <a:schemeClr val="accent1"/>
+            </a:effectRef>
+            <a:fontRef idx="minor">
+              <a:schemeClr val="lt1"/>
+            </a:fontRef>
+          </p:style>
+          <p:txBody>
+            <a:bodyPr rtlCol="0" anchor="ctr"/>
+            <a:lstStyle/>
+            <a:p>
+              <a:pPr algn="ctr"/>
+              <a:endParaRPr lang="zh-CN" altLang="en-US" sz="900">
+                <a:latin typeface="微软雅黑" panose="020B0503020204020204" pitchFamily="34" charset="-122"/>
+                <a:ea typeface="微软雅黑" panose="020B0503020204020204" pitchFamily="34" charset="-122"/>
+              </a:endParaRPr>
+            </a:p>
+          </p:txBody>
+        </p:sp>
+        <p:sp>
+          <p:nvSpPr>
+            <p:cNvPr id="37" name="矩形 36"/>
+            <p:cNvSpPr/>
+            <p:nvPr/>
+          </p:nvSpPr>
+          <p:spPr>
+            <a:xfrm>
+              <a:off x="2857594" y="3619498"/>
+              <a:ext cx="246169" cy="185057"/>
+            </a:xfrm>
+            <a:prstGeom prst="rect">
+              <a:avLst/>
+            </a:prstGeom>
+            <a:solidFill>
+              <a:schemeClr val="bg1">
+                <a:lumMod val="75000"/>
+              </a:schemeClr>
+            </a:solidFill>
+            <a:ln w="6350">
+              <a:solidFill>
+                <a:schemeClr val="bg1">
+                  <a:lumMod val="50000"/>
+                </a:schemeClr>
+              </a:solidFill>
+              <a:prstDash val="dash"/>
+            </a:ln>
+          </p:spPr>
+          <p:style>
+            <a:lnRef idx="2">
+              <a:schemeClr val="accent1">
+                <a:shade val="50000"/>
+              </a:schemeClr>
+            </a:lnRef>
+            <a:fillRef idx="1">
+              <a:schemeClr val="accent1"/>
+            </a:fillRef>
+            <a:effectRef idx="0">
+              <a:schemeClr val="accent1"/>
+            </a:effectRef>
+            <a:fontRef idx="minor">
+              <a:schemeClr val="lt1"/>
+            </a:fontRef>
+          </p:style>
+          <p:txBody>
+            <a:bodyPr rtlCol="0" anchor="ctr"/>
+            <a:lstStyle/>
+            <a:p>
+              <a:pPr algn="ctr"/>
+              <a:endParaRPr lang="zh-CN" altLang="en-US" sz="900">
+                <a:latin typeface="微软雅黑" panose="020B0503020204020204" pitchFamily="34" charset="-122"/>
+                <a:ea typeface="微软雅黑" panose="020B0503020204020204" pitchFamily="34" charset="-122"/>
+              </a:endParaRPr>
+            </a:p>
+          </p:txBody>
+        </p:sp>
+        <p:sp>
+          <p:nvSpPr>
+            <p:cNvPr id="38" name="矩形 37"/>
+            <p:cNvSpPr/>
+            <p:nvPr/>
+          </p:nvSpPr>
+          <p:spPr>
+            <a:xfrm>
+              <a:off x="3103763" y="3619498"/>
+              <a:ext cx="246169" cy="185057"/>
+            </a:xfrm>
+            <a:prstGeom prst="rect">
+              <a:avLst/>
+            </a:prstGeom>
+            <a:solidFill>
+              <a:schemeClr val="bg1">
+                <a:lumMod val="75000"/>
+              </a:schemeClr>
+            </a:solidFill>
+            <a:ln w="6350">
+              <a:solidFill>
+                <a:schemeClr val="bg1">
+                  <a:lumMod val="50000"/>
+                </a:schemeClr>
+              </a:solidFill>
+              <a:prstDash val="dash"/>
+            </a:ln>
+          </p:spPr>
+          <p:style>
+            <a:lnRef idx="2">
+              <a:schemeClr val="accent1">
+                <a:shade val="50000"/>
+              </a:schemeClr>
+            </a:lnRef>
+            <a:fillRef idx="1">
+              <a:schemeClr val="accent1"/>
+            </a:fillRef>
+            <a:effectRef idx="0">
+              <a:schemeClr val="accent1"/>
+            </a:effectRef>
+            <a:fontRef idx="minor">
+              <a:schemeClr val="lt1"/>
+            </a:fontRef>
+          </p:style>
+          <p:txBody>
+            <a:bodyPr rtlCol="0" anchor="ctr"/>
+            <a:lstStyle/>
+            <a:p>
+              <a:pPr algn="ctr"/>
+              <a:endParaRPr lang="zh-CN" altLang="en-US" sz="900">
+                <a:latin typeface="微软雅黑" panose="020B0503020204020204" pitchFamily="34" charset="-122"/>
+                <a:ea typeface="微软雅黑" panose="020B0503020204020204" pitchFamily="34" charset="-122"/>
+              </a:endParaRPr>
+            </a:p>
+          </p:txBody>
+        </p:sp>
+        <p:sp>
+          <p:nvSpPr>
+            <p:cNvPr id="39" name="矩形 38"/>
+            <p:cNvSpPr/>
+            <p:nvPr/>
+          </p:nvSpPr>
+          <p:spPr>
+            <a:xfrm>
+              <a:off x="2857287" y="3434440"/>
+              <a:ext cx="492338" cy="370115"/>
+            </a:xfrm>
+            <a:prstGeom prst="rect">
+              <a:avLst/>
+            </a:prstGeom>
+            <a:noFill/>
+            <a:ln>
+              <a:noFill/>
             </a:ln>
           </p:spPr>
           <p:style>
@@ -4770,6 +4057,704 @@
           </p:txBody>
         </p:sp>
       </p:grpSp>
+      <p:sp>
+        <p:nvSpPr>
+          <p:cNvPr id="40" name="矩形 39"/>
+          <p:cNvSpPr/>
+          <p:nvPr/>
+        </p:nvSpPr>
+        <p:spPr>
+          <a:xfrm>
+            <a:off x="4770434" y="4217703"/>
+            <a:ext cx="824445" cy="151061"/>
+          </a:xfrm>
+          <a:prstGeom prst="rect">
+            <a:avLst/>
+          </a:prstGeom>
+        </p:spPr>
+        <p:txBody>
+          <a:bodyPr wrap="none">
+            <a:spAutoFit/>
+          </a:bodyPr>
+          <a:lstStyle/>
+          <a:p>
+            <a:pPr algn="ctr"/>
+            <a:r>
+              <a:rPr lang="en-US" altLang="zh-CN" sz="900" dirty="0" err="1" smtClean="0">
+                <a:latin typeface="微软雅黑" panose="020B0503020204020204" pitchFamily="34" charset="-122"/>
+                <a:ea typeface="微软雅黑" panose="020B0503020204020204" pitchFamily="34" charset="-122"/>
+              </a:rPr>
+              <a:t>member_order</a:t>
+            </a:r>
+            <a:endParaRPr lang="zh-CN" altLang="en-US" sz="900" dirty="0">
+              <a:latin typeface="微软雅黑" panose="020B0503020204020204" pitchFamily="34" charset="-122"/>
+              <a:ea typeface="微软雅黑" panose="020B0503020204020204" pitchFamily="34" charset="-122"/>
+            </a:endParaRPr>
+          </a:p>
+        </p:txBody>
+      </p:sp>
+      <p:grpSp>
+        <p:nvGrpSpPr>
+          <p:cNvPr id="41" name="组合 40"/>
+          <p:cNvGrpSpPr/>
+          <p:nvPr/>
+        </p:nvGrpSpPr>
+        <p:grpSpPr>
+          <a:xfrm>
+            <a:off x="4973447" y="3985215"/>
+            <a:ext cx="406569" cy="242211"/>
+            <a:chOff x="2857287" y="3434440"/>
+            <a:chExt cx="492645" cy="370115"/>
+          </a:xfrm>
+        </p:grpSpPr>
+        <p:sp>
+          <p:nvSpPr>
+            <p:cNvPr id="42" name="矩形 41"/>
+            <p:cNvSpPr/>
+            <p:nvPr/>
+          </p:nvSpPr>
+          <p:spPr>
+            <a:xfrm>
+              <a:off x="2857594" y="3434442"/>
+              <a:ext cx="246169" cy="185057"/>
+            </a:xfrm>
+            <a:prstGeom prst="rect">
+              <a:avLst/>
+            </a:prstGeom>
+            <a:solidFill>
+              <a:schemeClr val="bg1">
+                <a:lumMod val="75000"/>
+              </a:schemeClr>
+            </a:solidFill>
+            <a:ln w="6350">
+              <a:solidFill>
+                <a:schemeClr val="bg1">
+                  <a:lumMod val="50000"/>
+                </a:schemeClr>
+              </a:solidFill>
+              <a:prstDash val="dash"/>
+            </a:ln>
+          </p:spPr>
+          <p:style>
+            <a:lnRef idx="2">
+              <a:schemeClr val="accent1">
+                <a:shade val="50000"/>
+              </a:schemeClr>
+            </a:lnRef>
+            <a:fillRef idx="1">
+              <a:schemeClr val="accent1"/>
+            </a:fillRef>
+            <a:effectRef idx="0">
+              <a:schemeClr val="accent1"/>
+            </a:effectRef>
+            <a:fontRef idx="minor">
+              <a:schemeClr val="lt1"/>
+            </a:fontRef>
+          </p:style>
+          <p:txBody>
+            <a:bodyPr rtlCol="0" anchor="ctr"/>
+            <a:lstStyle/>
+            <a:p>
+              <a:pPr algn="ctr"/>
+              <a:endParaRPr lang="zh-CN" altLang="en-US" sz="900">
+                <a:latin typeface="微软雅黑" panose="020B0503020204020204" pitchFamily="34" charset="-122"/>
+                <a:ea typeface="微软雅黑" panose="020B0503020204020204" pitchFamily="34" charset="-122"/>
+              </a:endParaRPr>
+            </a:p>
+          </p:txBody>
+        </p:sp>
+        <p:sp>
+          <p:nvSpPr>
+            <p:cNvPr id="43" name="矩形 42"/>
+            <p:cNvSpPr/>
+            <p:nvPr/>
+          </p:nvSpPr>
+          <p:spPr>
+            <a:xfrm>
+              <a:off x="3103763" y="3434441"/>
+              <a:ext cx="246169" cy="185057"/>
+            </a:xfrm>
+            <a:prstGeom prst="rect">
+              <a:avLst/>
+            </a:prstGeom>
+            <a:solidFill>
+              <a:schemeClr val="bg1">
+                <a:lumMod val="75000"/>
+              </a:schemeClr>
+            </a:solidFill>
+            <a:ln w="6350">
+              <a:solidFill>
+                <a:schemeClr val="bg1">
+                  <a:lumMod val="50000"/>
+                </a:schemeClr>
+              </a:solidFill>
+              <a:prstDash val="dash"/>
+            </a:ln>
+          </p:spPr>
+          <p:style>
+            <a:lnRef idx="2">
+              <a:schemeClr val="accent1">
+                <a:shade val="50000"/>
+              </a:schemeClr>
+            </a:lnRef>
+            <a:fillRef idx="1">
+              <a:schemeClr val="accent1"/>
+            </a:fillRef>
+            <a:effectRef idx="0">
+              <a:schemeClr val="accent1"/>
+            </a:effectRef>
+            <a:fontRef idx="minor">
+              <a:schemeClr val="lt1"/>
+            </a:fontRef>
+          </p:style>
+          <p:txBody>
+            <a:bodyPr rtlCol="0" anchor="ctr"/>
+            <a:lstStyle/>
+            <a:p>
+              <a:pPr algn="ctr"/>
+              <a:endParaRPr lang="zh-CN" altLang="en-US" sz="900">
+                <a:latin typeface="微软雅黑" panose="020B0503020204020204" pitchFamily="34" charset="-122"/>
+                <a:ea typeface="微软雅黑" panose="020B0503020204020204" pitchFamily="34" charset="-122"/>
+              </a:endParaRPr>
+            </a:p>
+          </p:txBody>
+        </p:sp>
+        <p:sp>
+          <p:nvSpPr>
+            <p:cNvPr id="44" name="矩形 43"/>
+            <p:cNvSpPr/>
+            <p:nvPr/>
+          </p:nvSpPr>
+          <p:spPr>
+            <a:xfrm>
+              <a:off x="2857594" y="3619498"/>
+              <a:ext cx="246169" cy="185057"/>
+            </a:xfrm>
+            <a:prstGeom prst="rect">
+              <a:avLst/>
+            </a:prstGeom>
+            <a:solidFill>
+              <a:schemeClr val="bg1">
+                <a:lumMod val="75000"/>
+              </a:schemeClr>
+            </a:solidFill>
+            <a:ln w="6350">
+              <a:solidFill>
+                <a:schemeClr val="bg1">
+                  <a:lumMod val="50000"/>
+                </a:schemeClr>
+              </a:solidFill>
+              <a:prstDash val="dash"/>
+            </a:ln>
+          </p:spPr>
+          <p:style>
+            <a:lnRef idx="2">
+              <a:schemeClr val="accent1">
+                <a:shade val="50000"/>
+              </a:schemeClr>
+            </a:lnRef>
+            <a:fillRef idx="1">
+              <a:schemeClr val="accent1"/>
+            </a:fillRef>
+            <a:effectRef idx="0">
+              <a:schemeClr val="accent1"/>
+            </a:effectRef>
+            <a:fontRef idx="minor">
+              <a:schemeClr val="lt1"/>
+            </a:fontRef>
+          </p:style>
+          <p:txBody>
+            <a:bodyPr rtlCol="0" anchor="ctr"/>
+            <a:lstStyle/>
+            <a:p>
+              <a:pPr algn="ctr"/>
+              <a:endParaRPr lang="zh-CN" altLang="en-US" sz="900">
+                <a:latin typeface="微软雅黑" panose="020B0503020204020204" pitchFamily="34" charset="-122"/>
+                <a:ea typeface="微软雅黑" panose="020B0503020204020204" pitchFamily="34" charset="-122"/>
+              </a:endParaRPr>
+            </a:p>
+          </p:txBody>
+        </p:sp>
+        <p:sp>
+          <p:nvSpPr>
+            <p:cNvPr id="45" name="矩形 44"/>
+            <p:cNvSpPr/>
+            <p:nvPr/>
+          </p:nvSpPr>
+          <p:spPr>
+            <a:xfrm>
+              <a:off x="3103763" y="3619498"/>
+              <a:ext cx="246169" cy="185057"/>
+            </a:xfrm>
+            <a:prstGeom prst="rect">
+              <a:avLst/>
+            </a:prstGeom>
+            <a:solidFill>
+              <a:schemeClr val="bg1">
+                <a:lumMod val="75000"/>
+              </a:schemeClr>
+            </a:solidFill>
+            <a:ln w="6350">
+              <a:solidFill>
+                <a:schemeClr val="bg1">
+                  <a:lumMod val="50000"/>
+                </a:schemeClr>
+              </a:solidFill>
+              <a:prstDash val="dash"/>
+            </a:ln>
+          </p:spPr>
+          <p:style>
+            <a:lnRef idx="2">
+              <a:schemeClr val="accent1">
+                <a:shade val="50000"/>
+              </a:schemeClr>
+            </a:lnRef>
+            <a:fillRef idx="1">
+              <a:schemeClr val="accent1"/>
+            </a:fillRef>
+            <a:effectRef idx="0">
+              <a:schemeClr val="accent1"/>
+            </a:effectRef>
+            <a:fontRef idx="minor">
+              <a:schemeClr val="lt1"/>
+            </a:fontRef>
+          </p:style>
+          <p:txBody>
+            <a:bodyPr rtlCol="0" anchor="ctr"/>
+            <a:lstStyle/>
+            <a:p>
+              <a:pPr algn="ctr"/>
+              <a:endParaRPr lang="zh-CN" altLang="en-US" sz="900">
+                <a:latin typeface="微软雅黑" panose="020B0503020204020204" pitchFamily="34" charset="-122"/>
+                <a:ea typeface="微软雅黑" panose="020B0503020204020204" pitchFamily="34" charset="-122"/>
+              </a:endParaRPr>
+            </a:p>
+          </p:txBody>
+        </p:sp>
+        <p:sp>
+          <p:nvSpPr>
+            <p:cNvPr id="46" name="矩形 45"/>
+            <p:cNvSpPr/>
+            <p:nvPr/>
+          </p:nvSpPr>
+          <p:spPr>
+            <a:xfrm>
+              <a:off x="2857287" y="3434440"/>
+              <a:ext cx="492338" cy="370115"/>
+            </a:xfrm>
+            <a:prstGeom prst="rect">
+              <a:avLst/>
+            </a:prstGeom>
+            <a:noFill/>
+            <a:ln>
+              <a:noFill/>
+            </a:ln>
+          </p:spPr>
+          <p:style>
+            <a:lnRef idx="2">
+              <a:schemeClr val="accent1">
+                <a:shade val="50000"/>
+              </a:schemeClr>
+            </a:lnRef>
+            <a:fillRef idx="1">
+              <a:schemeClr val="accent1"/>
+            </a:fillRef>
+            <a:effectRef idx="0">
+              <a:schemeClr val="accent1"/>
+            </a:effectRef>
+            <a:fontRef idx="minor">
+              <a:schemeClr val="lt1"/>
+            </a:fontRef>
+          </p:style>
+          <p:txBody>
+            <a:bodyPr rtlCol="0" anchor="ctr"/>
+            <a:lstStyle/>
+            <a:p>
+              <a:pPr algn="ctr"/>
+              <a:endParaRPr lang="zh-CN" altLang="en-US" sz="900">
+                <a:latin typeface="微软雅黑" panose="020B0503020204020204" pitchFamily="34" charset="-122"/>
+                <a:ea typeface="微软雅黑" panose="020B0503020204020204" pitchFamily="34" charset="-122"/>
+              </a:endParaRPr>
+            </a:p>
+          </p:txBody>
+        </p:sp>
+      </p:grpSp>
+      <p:sp>
+        <p:nvSpPr>
+          <p:cNvPr id="47" name="矩形 46"/>
+          <p:cNvSpPr/>
+          <p:nvPr/>
+        </p:nvSpPr>
+        <p:spPr>
+          <a:xfrm>
+            <a:off x="5612648" y="4220209"/>
+            <a:ext cx="938217" cy="151061"/>
+          </a:xfrm>
+          <a:prstGeom prst="rect">
+            <a:avLst/>
+          </a:prstGeom>
+        </p:spPr>
+        <p:txBody>
+          <a:bodyPr wrap="none">
+            <a:spAutoFit/>
+          </a:bodyPr>
+          <a:lstStyle/>
+          <a:p>
+            <a:pPr algn="ctr"/>
+            <a:r>
+              <a:rPr lang="en-US" altLang="zh-CN" sz="900" dirty="0" err="1" smtClean="0">
+                <a:latin typeface="微软雅黑" panose="020B0503020204020204" pitchFamily="34" charset="-122"/>
+                <a:ea typeface="微软雅黑" panose="020B0503020204020204" pitchFamily="34" charset="-122"/>
+              </a:rPr>
+              <a:t>member_account</a:t>
+            </a:r>
+            <a:endParaRPr lang="zh-CN" altLang="en-US" sz="900" dirty="0">
+              <a:latin typeface="微软雅黑" panose="020B0503020204020204" pitchFamily="34" charset="-122"/>
+              <a:ea typeface="微软雅黑" panose="020B0503020204020204" pitchFamily="34" charset="-122"/>
+            </a:endParaRPr>
+          </a:p>
+        </p:txBody>
+      </p:sp>
+      <p:grpSp>
+        <p:nvGrpSpPr>
+          <p:cNvPr id="48" name="组合 47"/>
+          <p:cNvGrpSpPr/>
+          <p:nvPr/>
+        </p:nvGrpSpPr>
+        <p:grpSpPr>
+          <a:xfrm>
+            <a:off x="5872546" y="3987720"/>
+            <a:ext cx="406569" cy="242211"/>
+            <a:chOff x="2857287" y="3434440"/>
+            <a:chExt cx="492645" cy="370115"/>
+          </a:xfrm>
+        </p:grpSpPr>
+        <p:sp>
+          <p:nvSpPr>
+            <p:cNvPr id="49" name="矩形 48"/>
+            <p:cNvSpPr/>
+            <p:nvPr/>
+          </p:nvSpPr>
+          <p:spPr>
+            <a:xfrm>
+              <a:off x="2857594" y="3434442"/>
+              <a:ext cx="246169" cy="185057"/>
+            </a:xfrm>
+            <a:prstGeom prst="rect">
+              <a:avLst/>
+            </a:prstGeom>
+            <a:solidFill>
+              <a:schemeClr val="bg1">
+                <a:lumMod val="75000"/>
+              </a:schemeClr>
+            </a:solidFill>
+            <a:ln w="6350">
+              <a:solidFill>
+                <a:schemeClr val="bg1">
+                  <a:lumMod val="50000"/>
+                </a:schemeClr>
+              </a:solidFill>
+              <a:prstDash val="dash"/>
+            </a:ln>
+          </p:spPr>
+          <p:style>
+            <a:lnRef idx="2">
+              <a:schemeClr val="accent1">
+                <a:shade val="50000"/>
+              </a:schemeClr>
+            </a:lnRef>
+            <a:fillRef idx="1">
+              <a:schemeClr val="accent1"/>
+            </a:fillRef>
+            <a:effectRef idx="0">
+              <a:schemeClr val="accent1"/>
+            </a:effectRef>
+            <a:fontRef idx="minor">
+              <a:schemeClr val="lt1"/>
+            </a:fontRef>
+          </p:style>
+          <p:txBody>
+            <a:bodyPr rtlCol="0" anchor="ctr"/>
+            <a:lstStyle/>
+            <a:p>
+              <a:pPr algn="ctr"/>
+              <a:endParaRPr lang="zh-CN" altLang="en-US" sz="900">
+                <a:latin typeface="微软雅黑" panose="020B0503020204020204" pitchFamily="34" charset="-122"/>
+                <a:ea typeface="微软雅黑" panose="020B0503020204020204" pitchFamily="34" charset="-122"/>
+              </a:endParaRPr>
+            </a:p>
+          </p:txBody>
+        </p:sp>
+        <p:sp>
+          <p:nvSpPr>
+            <p:cNvPr id="50" name="矩形 49"/>
+            <p:cNvSpPr/>
+            <p:nvPr/>
+          </p:nvSpPr>
+          <p:spPr>
+            <a:xfrm>
+              <a:off x="3103763" y="3434441"/>
+              <a:ext cx="246169" cy="185057"/>
+            </a:xfrm>
+            <a:prstGeom prst="rect">
+              <a:avLst/>
+            </a:prstGeom>
+            <a:solidFill>
+              <a:schemeClr val="bg1">
+                <a:lumMod val="75000"/>
+              </a:schemeClr>
+            </a:solidFill>
+            <a:ln w="6350">
+              <a:solidFill>
+                <a:schemeClr val="bg1">
+                  <a:lumMod val="50000"/>
+                </a:schemeClr>
+              </a:solidFill>
+              <a:prstDash val="dash"/>
+            </a:ln>
+          </p:spPr>
+          <p:style>
+            <a:lnRef idx="2">
+              <a:schemeClr val="accent1">
+                <a:shade val="50000"/>
+              </a:schemeClr>
+            </a:lnRef>
+            <a:fillRef idx="1">
+              <a:schemeClr val="accent1"/>
+            </a:fillRef>
+            <a:effectRef idx="0">
+              <a:schemeClr val="accent1"/>
+            </a:effectRef>
+            <a:fontRef idx="minor">
+              <a:schemeClr val="lt1"/>
+            </a:fontRef>
+          </p:style>
+          <p:txBody>
+            <a:bodyPr rtlCol="0" anchor="ctr"/>
+            <a:lstStyle/>
+            <a:p>
+              <a:pPr algn="ctr"/>
+              <a:endParaRPr lang="zh-CN" altLang="en-US" sz="900">
+                <a:latin typeface="微软雅黑" panose="020B0503020204020204" pitchFamily="34" charset="-122"/>
+                <a:ea typeface="微软雅黑" panose="020B0503020204020204" pitchFamily="34" charset="-122"/>
+              </a:endParaRPr>
+            </a:p>
+          </p:txBody>
+        </p:sp>
+        <p:sp>
+          <p:nvSpPr>
+            <p:cNvPr id="51" name="矩形 50"/>
+            <p:cNvSpPr/>
+            <p:nvPr/>
+          </p:nvSpPr>
+          <p:spPr>
+            <a:xfrm>
+              <a:off x="2857594" y="3619498"/>
+              <a:ext cx="246169" cy="185057"/>
+            </a:xfrm>
+            <a:prstGeom prst="rect">
+              <a:avLst/>
+            </a:prstGeom>
+            <a:solidFill>
+              <a:schemeClr val="bg1">
+                <a:lumMod val="75000"/>
+              </a:schemeClr>
+            </a:solidFill>
+            <a:ln w="6350">
+              <a:solidFill>
+                <a:schemeClr val="bg1">
+                  <a:lumMod val="50000"/>
+                </a:schemeClr>
+              </a:solidFill>
+              <a:prstDash val="dash"/>
+            </a:ln>
+          </p:spPr>
+          <p:style>
+            <a:lnRef idx="2">
+              <a:schemeClr val="accent1">
+                <a:shade val="50000"/>
+              </a:schemeClr>
+            </a:lnRef>
+            <a:fillRef idx="1">
+              <a:schemeClr val="accent1"/>
+            </a:fillRef>
+            <a:effectRef idx="0">
+              <a:schemeClr val="accent1"/>
+            </a:effectRef>
+            <a:fontRef idx="minor">
+              <a:schemeClr val="lt1"/>
+            </a:fontRef>
+          </p:style>
+          <p:txBody>
+            <a:bodyPr rtlCol="0" anchor="ctr"/>
+            <a:lstStyle/>
+            <a:p>
+              <a:pPr algn="ctr"/>
+              <a:endParaRPr lang="zh-CN" altLang="en-US" sz="900">
+                <a:latin typeface="微软雅黑" panose="020B0503020204020204" pitchFamily="34" charset="-122"/>
+                <a:ea typeface="微软雅黑" panose="020B0503020204020204" pitchFamily="34" charset="-122"/>
+              </a:endParaRPr>
+            </a:p>
+          </p:txBody>
+        </p:sp>
+        <p:sp>
+          <p:nvSpPr>
+            <p:cNvPr id="52" name="矩形 51"/>
+            <p:cNvSpPr/>
+            <p:nvPr/>
+          </p:nvSpPr>
+          <p:spPr>
+            <a:xfrm>
+              <a:off x="3103763" y="3619498"/>
+              <a:ext cx="246169" cy="185057"/>
+            </a:xfrm>
+            <a:prstGeom prst="rect">
+              <a:avLst/>
+            </a:prstGeom>
+            <a:solidFill>
+              <a:schemeClr val="bg1">
+                <a:lumMod val="75000"/>
+              </a:schemeClr>
+            </a:solidFill>
+            <a:ln w="6350">
+              <a:solidFill>
+                <a:schemeClr val="bg1">
+                  <a:lumMod val="50000"/>
+                </a:schemeClr>
+              </a:solidFill>
+              <a:prstDash val="dash"/>
+            </a:ln>
+          </p:spPr>
+          <p:style>
+            <a:lnRef idx="2">
+              <a:schemeClr val="accent1">
+                <a:shade val="50000"/>
+              </a:schemeClr>
+            </a:lnRef>
+            <a:fillRef idx="1">
+              <a:schemeClr val="accent1"/>
+            </a:fillRef>
+            <a:effectRef idx="0">
+              <a:schemeClr val="accent1"/>
+            </a:effectRef>
+            <a:fontRef idx="minor">
+              <a:schemeClr val="lt1"/>
+            </a:fontRef>
+          </p:style>
+          <p:txBody>
+            <a:bodyPr rtlCol="0" anchor="ctr"/>
+            <a:lstStyle/>
+            <a:p>
+              <a:pPr algn="ctr"/>
+              <a:endParaRPr lang="zh-CN" altLang="en-US" sz="900">
+                <a:latin typeface="微软雅黑" panose="020B0503020204020204" pitchFamily="34" charset="-122"/>
+                <a:ea typeface="微软雅黑" panose="020B0503020204020204" pitchFamily="34" charset="-122"/>
+              </a:endParaRPr>
+            </a:p>
+          </p:txBody>
+        </p:sp>
+        <p:sp>
+          <p:nvSpPr>
+            <p:cNvPr id="53" name="矩形 52"/>
+            <p:cNvSpPr/>
+            <p:nvPr/>
+          </p:nvSpPr>
+          <p:spPr>
+            <a:xfrm>
+              <a:off x="2857287" y="3434440"/>
+              <a:ext cx="492338" cy="370115"/>
+            </a:xfrm>
+            <a:prstGeom prst="rect">
+              <a:avLst/>
+            </a:prstGeom>
+            <a:noFill/>
+            <a:ln>
+              <a:noFill/>
+            </a:ln>
+          </p:spPr>
+          <p:style>
+            <a:lnRef idx="2">
+              <a:schemeClr val="accent1">
+                <a:shade val="50000"/>
+              </a:schemeClr>
+            </a:lnRef>
+            <a:fillRef idx="1">
+              <a:schemeClr val="accent1"/>
+            </a:fillRef>
+            <a:effectRef idx="0">
+              <a:schemeClr val="accent1"/>
+            </a:effectRef>
+            <a:fontRef idx="minor">
+              <a:schemeClr val="lt1"/>
+            </a:fontRef>
+          </p:style>
+          <p:txBody>
+            <a:bodyPr rtlCol="0" anchor="ctr"/>
+            <a:lstStyle/>
+            <a:p>
+              <a:pPr algn="ctr"/>
+              <a:endParaRPr lang="zh-CN" altLang="en-US" sz="900">
+                <a:latin typeface="微软雅黑" panose="020B0503020204020204" pitchFamily="34" charset="-122"/>
+                <a:ea typeface="微软雅黑" panose="020B0503020204020204" pitchFamily="34" charset="-122"/>
+              </a:endParaRPr>
+            </a:p>
+          </p:txBody>
+        </p:sp>
+      </p:grpSp>
+      <p:sp>
+        <p:nvSpPr>
+          <p:cNvPr id="54" name="圆角矩形 53"/>
+          <p:cNvSpPr/>
+          <p:nvPr/>
+        </p:nvSpPr>
+        <p:spPr>
+          <a:xfrm>
+            <a:off x="4120562" y="3897295"/>
+            <a:ext cx="2500867" cy="541537"/>
+          </a:xfrm>
+          <a:prstGeom prst="roundRect">
+            <a:avLst>
+              <a:gd name="adj" fmla="val 11085"/>
+            </a:avLst>
+          </a:prstGeom>
+          <a:noFill/>
+          <a:ln w="6350">
+            <a:solidFill>
+              <a:schemeClr val="bg1">
+                <a:lumMod val="50000"/>
+              </a:schemeClr>
+            </a:solidFill>
+            <a:prstDash val="dash"/>
+          </a:ln>
+        </p:spPr>
+        <p:style>
+          <a:lnRef idx="2">
+            <a:schemeClr val="accent1">
+              <a:shade val="50000"/>
+            </a:schemeClr>
+          </a:lnRef>
+          <a:fillRef idx="1">
+            <a:schemeClr val="accent1"/>
+          </a:fillRef>
+          <a:effectRef idx="0">
+            <a:schemeClr val="accent1"/>
+          </a:effectRef>
+          <a:fontRef idx="minor">
+            <a:schemeClr val="lt1"/>
+          </a:fontRef>
+        </p:style>
+        <p:txBody>
+          <a:bodyPr rtlCol="0" anchor="ctr"/>
+          <a:lstStyle/>
+          <a:p>
+            <a:pPr algn="ctr"/>
+            <a:endParaRPr lang="zh-CN" altLang="en-US" sz="900">
+              <a:latin typeface="微软雅黑" panose="020B0503020204020204" pitchFamily="34" charset="-122"/>
+              <a:ea typeface="微软雅黑" panose="020B0503020204020204" pitchFamily="34" charset="-122"/>
+            </a:endParaRPr>
+          </a:p>
+        </p:txBody>
+      </p:sp>
       <p:cxnSp>
         <p:nvCxnSpPr>
           <p:cNvPr id="57" name="肘形连接符 56"/>
@@ -4781,8 +4766,8 @@
         </p:nvCxnSpPr>
         <p:spPr>
           <a:xfrm rot="16200000" flipV="1">
-            <a:off x="4873619" y="3534996"/>
-            <a:ext cx="481143" cy="465308"/>
+            <a:off x="4935073" y="3461371"/>
+            <a:ext cx="382388" cy="489459"/>
           </a:xfrm>
           <a:prstGeom prst="bentConnector3">
             <a:avLst/>
@@ -4820,8 +4805,8 @@
         </p:nvCxnSpPr>
         <p:spPr>
           <a:xfrm rot="5400000" flipH="1" flipV="1">
-            <a:off x="5364325" y="3509598"/>
-            <a:ext cx="481143" cy="516104"/>
+            <a:off x="5425778" y="3460125"/>
+            <a:ext cx="382388" cy="491953"/>
           </a:xfrm>
           <a:prstGeom prst="bentConnector3">
             <a:avLst/>
@@ -4848,359 +4833,75 @@
           </a:fontRef>
         </p:style>
       </p:cxnSp>
+      <p:sp>
+        <p:nvSpPr>
+          <p:cNvPr id="14" name="矩形 13"/>
+          <p:cNvSpPr/>
+          <p:nvPr/>
+        </p:nvSpPr>
+        <p:spPr>
+          <a:xfrm>
+            <a:off x="3649677" y="2325435"/>
+            <a:ext cx="512236" cy="151061"/>
+          </a:xfrm>
+          <a:prstGeom prst="rect">
+            <a:avLst/>
+          </a:prstGeom>
+        </p:spPr>
+        <p:txBody>
+          <a:bodyPr wrap="none">
+            <a:spAutoFit/>
+          </a:bodyPr>
+          <a:lstStyle/>
+          <a:p>
+            <a:pPr algn="ctr"/>
+            <a:r>
+              <a:rPr lang="en-US" altLang="zh-CN" sz="900" dirty="0" smtClean="0">
+                <a:latin typeface="微软雅黑" panose="020B0503020204020204" pitchFamily="34" charset="-122"/>
+                <a:ea typeface="微软雅黑" panose="020B0503020204020204" pitchFamily="34" charset="-122"/>
+              </a:rPr>
+              <a:t>product</a:t>
+            </a:r>
+            <a:endParaRPr lang="zh-CN" altLang="en-US" sz="900" dirty="0">
+              <a:latin typeface="微软雅黑" panose="020B0503020204020204" pitchFamily="34" charset="-122"/>
+              <a:ea typeface="微软雅黑" panose="020B0503020204020204" pitchFamily="34" charset="-122"/>
+            </a:endParaRPr>
+          </a:p>
+        </p:txBody>
+      </p:sp>
       <p:grpSp>
         <p:nvGrpSpPr>
-          <p:cNvPr id="65" name="组合 64"/>
+          <p:cNvPr id="32" name="组合 31"/>
           <p:cNvGrpSpPr/>
           <p:nvPr/>
         </p:nvGrpSpPr>
         <p:grpSpPr>
           <a:xfrm>
-            <a:off x="3531897" y="2177068"/>
-            <a:ext cx="738263" cy="566139"/>
-            <a:chOff x="2721965" y="3420027"/>
-            <a:chExt cx="765626" cy="712271"/>
+            <a:off x="3703278" y="2512938"/>
+            <a:ext cx="406569" cy="242211"/>
+            <a:chOff x="2857287" y="3434440"/>
+            <a:chExt cx="492645" cy="370115"/>
           </a:xfrm>
         </p:grpSpPr>
         <p:sp>
           <p:nvSpPr>
-            <p:cNvPr id="14" name="矩形 13"/>
+            <p:cNvPr id="9" name="矩形 8"/>
             <p:cNvSpPr/>
             <p:nvPr/>
           </p:nvSpPr>
           <p:spPr>
             <a:xfrm>
-              <a:off x="2800289" y="3427980"/>
-              <a:ext cx="620683" cy="230832"/>
+              <a:off x="2857594" y="3434442"/>
+              <a:ext cx="246169" cy="185057"/>
             </a:xfrm>
             <a:prstGeom prst="rect">
               <a:avLst/>
             </a:prstGeom>
-          </p:spPr>
-          <p:txBody>
-            <a:bodyPr wrap="none">
-              <a:spAutoFit/>
-            </a:bodyPr>
-            <a:lstStyle/>
-            <a:p>
-              <a:pPr algn="ctr"/>
-              <a:r>
-                <a:rPr lang="en-US" altLang="zh-CN" sz="900" dirty="0" smtClean="0">
-                  <a:latin typeface="微软雅黑" panose="020B0503020204020204" pitchFamily="34" charset="-122"/>
-                  <a:ea typeface="微软雅黑" panose="020B0503020204020204" pitchFamily="34" charset="-122"/>
-                </a:rPr>
-                <a:t>product</a:t>
-              </a:r>
-              <a:endParaRPr lang="zh-CN" altLang="en-US" sz="900" dirty="0">
-                <a:latin typeface="微软雅黑" panose="020B0503020204020204" pitchFamily="34" charset="-122"/>
-                <a:ea typeface="微软雅黑" panose="020B0503020204020204" pitchFamily="34" charset="-122"/>
-              </a:endParaRPr>
-            </a:p>
-          </p:txBody>
-        </p:sp>
-        <p:grpSp>
-          <p:nvGrpSpPr>
-            <p:cNvPr id="32" name="组合 31"/>
-            <p:cNvGrpSpPr/>
-            <p:nvPr/>
-          </p:nvGrpSpPr>
-          <p:grpSpPr>
-            <a:xfrm>
-              <a:off x="2865238" y="3665026"/>
-              <a:ext cx="492645" cy="370115"/>
-              <a:chOff x="2857287" y="3434440"/>
-              <a:chExt cx="492645" cy="370115"/>
-            </a:xfrm>
-          </p:grpSpPr>
-          <p:sp>
-            <p:nvSpPr>
-              <p:cNvPr id="9" name="矩形 8"/>
-              <p:cNvSpPr/>
-              <p:nvPr/>
-            </p:nvSpPr>
-            <p:spPr>
-              <a:xfrm>
-                <a:off x="2857594" y="3434442"/>
-                <a:ext cx="246169" cy="185057"/>
-              </a:xfrm>
-              <a:prstGeom prst="rect">
-                <a:avLst/>
-              </a:prstGeom>
-              <a:solidFill>
-                <a:schemeClr val="bg1">
-                  <a:lumMod val="75000"/>
-                </a:schemeClr>
-              </a:solidFill>
-              <a:ln w="6350">
-                <a:solidFill>
-                  <a:schemeClr val="bg1">
-                    <a:lumMod val="50000"/>
-                  </a:schemeClr>
-                </a:solidFill>
-                <a:prstDash val="dash"/>
-              </a:ln>
-            </p:spPr>
-            <p:style>
-              <a:lnRef idx="2">
-                <a:schemeClr val="accent1">
-                  <a:shade val="50000"/>
-                </a:schemeClr>
-              </a:lnRef>
-              <a:fillRef idx="1">
-                <a:schemeClr val="accent1"/>
-              </a:fillRef>
-              <a:effectRef idx="0">
-                <a:schemeClr val="accent1"/>
-              </a:effectRef>
-              <a:fontRef idx="minor">
-                <a:schemeClr val="lt1"/>
-              </a:fontRef>
-            </p:style>
-            <p:txBody>
-              <a:bodyPr rtlCol="0" anchor="ctr"/>
-              <a:lstStyle/>
-              <a:p>
-                <a:pPr algn="ctr"/>
-                <a:endParaRPr lang="zh-CN" altLang="en-US" sz="900">
-                  <a:latin typeface="微软雅黑" panose="020B0503020204020204" pitchFamily="34" charset="-122"/>
-                  <a:ea typeface="微软雅黑" panose="020B0503020204020204" pitchFamily="34" charset="-122"/>
-                </a:endParaRPr>
-              </a:p>
-            </p:txBody>
-          </p:sp>
-          <p:sp>
-            <p:nvSpPr>
-              <p:cNvPr id="10" name="矩形 9"/>
-              <p:cNvSpPr/>
-              <p:nvPr/>
-            </p:nvSpPr>
-            <p:spPr>
-              <a:xfrm>
-                <a:off x="3103763" y="3434441"/>
-                <a:ext cx="246169" cy="185057"/>
-              </a:xfrm>
-              <a:prstGeom prst="rect">
-                <a:avLst/>
-              </a:prstGeom>
-              <a:solidFill>
-                <a:schemeClr val="bg1">
-                  <a:lumMod val="75000"/>
-                </a:schemeClr>
-              </a:solidFill>
-              <a:ln w="6350">
-                <a:solidFill>
-                  <a:schemeClr val="bg1">
-                    <a:lumMod val="50000"/>
-                  </a:schemeClr>
-                </a:solidFill>
-                <a:prstDash val="dash"/>
-              </a:ln>
-            </p:spPr>
-            <p:style>
-              <a:lnRef idx="2">
-                <a:schemeClr val="accent1">
-                  <a:shade val="50000"/>
-                </a:schemeClr>
-              </a:lnRef>
-              <a:fillRef idx="1">
-                <a:schemeClr val="accent1"/>
-              </a:fillRef>
-              <a:effectRef idx="0">
-                <a:schemeClr val="accent1"/>
-              </a:effectRef>
-              <a:fontRef idx="minor">
-                <a:schemeClr val="lt1"/>
-              </a:fontRef>
-            </p:style>
-            <p:txBody>
-              <a:bodyPr rtlCol="0" anchor="ctr"/>
-              <a:lstStyle/>
-              <a:p>
-                <a:pPr algn="ctr"/>
-                <a:endParaRPr lang="zh-CN" altLang="en-US" sz="900">
-                  <a:latin typeface="微软雅黑" panose="020B0503020204020204" pitchFamily="34" charset="-122"/>
-                  <a:ea typeface="微软雅黑" panose="020B0503020204020204" pitchFamily="34" charset="-122"/>
-                </a:endParaRPr>
-              </a:p>
-            </p:txBody>
-          </p:sp>
-          <p:sp>
-            <p:nvSpPr>
-              <p:cNvPr id="11" name="矩形 10"/>
-              <p:cNvSpPr/>
-              <p:nvPr/>
-            </p:nvSpPr>
-            <p:spPr>
-              <a:xfrm>
-                <a:off x="2857594" y="3619498"/>
-                <a:ext cx="246169" cy="185057"/>
-              </a:xfrm>
-              <a:prstGeom prst="rect">
-                <a:avLst/>
-              </a:prstGeom>
-              <a:solidFill>
-                <a:schemeClr val="bg1">
-                  <a:lumMod val="75000"/>
-                </a:schemeClr>
-              </a:solidFill>
-              <a:ln w="6350">
-                <a:solidFill>
-                  <a:schemeClr val="bg1">
-                    <a:lumMod val="50000"/>
-                  </a:schemeClr>
-                </a:solidFill>
-                <a:prstDash val="dash"/>
-              </a:ln>
-            </p:spPr>
-            <p:style>
-              <a:lnRef idx="2">
-                <a:schemeClr val="accent1">
-                  <a:shade val="50000"/>
-                </a:schemeClr>
-              </a:lnRef>
-              <a:fillRef idx="1">
-                <a:schemeClr val="accent1"/>
-              </a:fillRef>
-              <a:effectRef idx="0">
-                <a:schemeClr val="accent1"/>
-              </a:effectRef>
-              <a:fontRef idx="minor">
-                <a:schemeClr val="lt1"/>
-              </a:fontRef>
-            </p:style>
-            <p:txBody>
-              <a:bodyPr rtlCol="0" anchor="ctr"/>
-              <a:lstStyle/>
-              <a:p>
-                <a:pPr algn="ctr"/>
-                <a:endParaRPr lang="zh-CN" altLang="en-US" sz="900">
-                  <a:latin typeface="微软雅黑" panose="020B0503020204020204" pitchFamily="34" charset="-122"/>
-                  <a:ea typeface="微软雅黑" panose="020B0503020204020204" pitchFamily="34" charset="-122"/>
-                </a:endParaRPr>
-              </a:p>
-            </p:txBody>
-          </p:sp>
-          <p:sp>
-            <p:nvSpPr>
-              <p:cNvPr id="12" name="矩形 11"/>
-              <p:cNvSpPr/>
-              <p:nvPr/>
-            </p:nvSpPr>
-            <p:spPr>
-              <a:xfrm>
-                <a:off x="3103763" y="3619498"/>
-                <a:ext cx="246169" cy="185057"/>
-              </a:xfrm>
-              <a:prstGeom prst="rect">
-                <a:avLst/>
-              </a:prstGeom>
-              <a:solidFill>
-                <a:schemeClr val="bg1">
-                  <a:lumMod val="75000"/>
-                </a:schemeClr>
-              </a:solidFill>
-              <a:ln w="6350">
-                <a:solidFill>
-                  <a:schemeClr val="bg1">
-                    <a:lumMod val="50000"/>
-                  </a:schemeClr>
-                </a:solidFill>
-                <a:prstDash val="dash"/>
-              </a:ln>
-            </p:spPr>
-            <p:style>
-              <a:lnRef idx="2">
-                <a:schemeClr val="accent1">
-                  <a:shade val="50000"/>
-                </a:schemeClr>
-              </a:lnRef>
-              <a:fillRef idx="1">
-                <a:schemeClr val="accent1"/>
-              </a:fillRef>
-              <a:effectRef idx="0">
-                <a:schemeClr val="accent1"/>
-              </a:effectRef>
-              <a:fontRef idx="minor">
-                <a:schemeClr val="lt1"/>
-              </a:fontRef>
-            </p:style>
-            <p:txBody>
-              <a:bodyPr rtlCol="0" anchor="ctr"/>
-              <a:lstStyle/>
-              <a:p>
-                <a:pPr algn="ctr"/>
-                <a:endParaRPr lang="zh-CN" altLang="en-US" sz="900">
-                  <a:latin typeface="微软雅黑" panose="020B0503020204020204" pitchFamily="34" charset="-122"/>
-                  <a:ea typeface="微软雅黑" panose="020B0503020204020204" pitchFamily="34" charset="-122"/>
-                </a:endParaRPr>
-              </a:p>
-            </p:txBody>
-          </p:sp>
-          <p:sp>
-            <p:nvSpPr>
-              <p:cNvPr id="24" name="矩形 23"/>
-              <p:cNvSpPr/>
-              <p:nvPr/>
-            </p:nvSpPr>
-            <p:spPr>
-              <a:xfrm>
-                <a:off x="2857287" y="3434440"/>
-                <a:ext cx="492338" cy="370115"/>
-              </a:xfrm>
-              <a:prstGeom prst="rect">
-                <a:avLst/>
-              </a:prstGeom>
-              <a:noFill/>
-              <a:ln>
-                <a:noFill/>
-              </a:ln>
-            </p:spPr>
-            <p:style>
-              <a:lnRef idx="2">
-                <a:schemeClr val="accent1">
-                  <a:shade val="50000"/>
-                </a:schemeClr>
-              </a:lnRef>
-              <a:fillRef idx="1">
-                <a:schemeClr val="accent1"/>
-              </a:fillRef>
-              <a:effectRef idx="0">
-                <a:schemeClr val="accent1"/>
-              </a:effectRef>
-              <a:fontRef idx="minor">
-                <a:schemeClr val="lt1"/>
-              </a:fontRef>
-            </p:style>
-            <p:txBody>
-              <a:bodyPr rtlCol="0" anchor="ctr"/>
-              <a:lstStyle/>
-              <a:p>
-                <a:pPr algn="ctr"/>
-                <a:endParaRPr lang="zh-CN" altLang="en-US" sz="900">
-                  <a:latin typeface="微软雅黑" panose="020B0503020204020204" pitchFamily="34" charset="-122"/>
-                  <a:ea typeface="微软雅黑" panose="020B0503020204020204" pitchFamily="34" charset="-122"/>
-                </a:endParaRPr>
-              </a:p>
-            </p:txBody>
-          </p:sp>
-        </p:grpSp>
-        <p:sp>
-          <p:nvSpPr>
-            <p:cNvPr id="63" name="圆角矩形 62"/>
-            <p:cNvSpPr/>
-            <p:nvPr/>
-          </p:nvSpPr>
-          <p:spPr>
-            <a:xfrm>
-              <a:off x="2721965" y="3420027"/>
-              <a:ext cx="765626" cy="712271"/>
-            </a:xfrm>
-            <a:prstGeom prst="roundRect">
-              <a:avLst>
-                <a:gd name="adj" fmla="val 11085"/>
-              </a:avLst>
-            </a:prstGeom>
-            <a:noFill/>
+            <a:solidFill>
+              <a:schemeClr val="bg1">
+                <a:lumMod val="75000"/>
+              </a:schemeClr>
+            </a:solidFill>
             <a:ln w="6350">
               <a:solidFill>
                 <a:schemeClr val="bg1">
@@ -5208,6 +4909,221 @@
                 </a:schemeClr>
               </a:solidFill>
               <a:prstDash val="dash"/>
+            </a:ln>
+          </p:spPr>
+          <p:style>
+            <a:lnRef idx="2">
+              <a:schemeClr val="accent1">
+                <a:shade val="50000"/>
+              </a:schemeClr>
+            </a:lnRef>
+            <a:fillRef idx="1">
+              <a:schemeClr val="accent1"/>
+            </a:fillRef>
+            <a:effectRef idx="0">
+              <a:schemeClr val="accent1"/>
+            </a:effectRef>
+            <a:fontRef idx="minor">
+              <a:schemeClr val="lt1"/>
+            </a:fontRef>
+          </p:style>
+          <p:txBody>
+            <a:bodyPr rtlCol="0" anchor="ctr"/>
+            <a:lstStyle/>
+            <a:p>
+              <a:pPr algn="ctr"/>
+              <a:endParaRPr lang="zh-CN" altLang="en-US" sz="900">
+                <a:latin typeface="微软雅黑" panose="020B0503020204020204" pitchFamily="34" charset="-122"/>
+                <a:ea typeface="微软雅黑" panose="020B0503020204020204" pitchFamily="34" charset="-122"/>
+              </a:endParaRPr>
+            </a:p>
+          </p:txBody>
+        </p:sp>
+        <p:sp>
+          <p:nvSpPr>
+            <p:cNvPr id="10" name="矩形 9"/>
+            <p:cNvSpPr/>
+            <p:nvPr/>
+          </p:nvSpPr>
+          <p:spPr>
+            <a:xfrm>
+              <a:off x="3103763" y="3434441"/>
+              <a:ext cx="246169" cy="185057"/>
+            </a:xfrm>
+            <a:prstGeom prst="rect">
+              <a:avLst/>
+            </a:prstGeom>
+            <a:solidFill>
+              <a:schemeClr val="bg1">
+                <a:lumMod val="75000"/>
+              </a:schemeClr>
+            </a:solidFill>
+            <a:ln w="6350">
+              <a:solidFill>
+                <a:schemeClr val="bg1">
+                  <a:lumMod val="50000"/>
+                </a:schemeClr>
+              </a:solidFill>
+              <a:prstDash val="dash"/>
+            </a:ln>
+          </p:spPr>
+          <p:style>
+            <a:lnRef idx="2">
+              <a:schemeClr val="accent1">
+                <a:shade val="50000"/>
+              </a:schemeClr>
+            </a:lnRef>
+            <a:fillRef idx="1">
+              <a:schemeClr val="accent1"/>
+            </a:fillRef>
+            <a:effectRef idx="0">
+              <a:schemeClr val="accent1"/>
+            </a:effectRef>
+            <a:fontRef idx="minor">
+              <a:schemeClr val="lt1"/>
+            </a:fontRef>
+          </p:style>
+          <p:txBody>
+            <a:bodyPr rtlCol="0" anchor="ctr"/>
+            <a:lstStyle/>
+            <a:p>
+              <a:pPr algn="ctr"/>
+              <a:endParaRPr lang="zh-CN" altLang="en-US" sz="900">
+                <a:latin typeface="微软雅黑" panose="020B0503020204020204" pitchFamily="34" charset="-122"/>
+                <a:ea typeface="微软雅黑" panose="020B0503020204020204" pitchFamily="34" charset="-122"/>
+              </a:endParaRPr>
+            </a:p>
+          </p:txBody>
+        </p:sp>
+        <p:sp>
+          <p:nvSpPr>
+            <p:cNvPr id="11" name="矩形 10"/>
+            <p:cNvSpPr/>
+            <p:nvPr/>
+          </p:nvSpPr>
+          <p:spPr>
+            <a:xfrm>
+              <a:off x="2857594" y="3619498"/>
+              <a:ext cx="246169" cy="185057"/>
+            </a:xfrm>
+            <a:prstGeom prst="rect">
+              <a:avLst/>
+            </a:prstGeom>
+            <a:solidFill>
+              <a:schemeClr val="bg1">
+                <a:lumMod val="75000"/>
+              </a:schemeClr>
+            </a:solidFill>
+            <a:ln w="6350">
+              <a:solidFill>
+                <a:schemeClr val="bg1">
+                  <a:lumMod val="50000"/>
+                </a:schemeClr>
+              </a:solidFill>
+              <a:prstDash val="dash"/>
+            </a:ln>
+          </p:spPr>
+          <p:style>
+            <a:lnRef idx="2">
+              <a:schemeClr val="accent1">
+                <a:shade val="50000"/>
+              </a:schemeClr>
+            </a:lnRef>
+            <a:fillRef idx="1">
+              <a:schemeClr val="accent1"/>
+            </a:fillRef>
+            <a:effectRef idx="0">
+              <a:schemeClr val="accent1"/>
+            </a:effectRef>
+            <a:fontRef idx="minor">
+              <a:schemeClr val="lt1"/>
+            </a:fontRef>
+          </p:style>
+          <p:txBody>
+            <a:bodyPr rtlCol="0" anchor="ctr"/>
+            <a:lstStyle/>
+            <a:p>
+              <a:pPr algn="ctr"/>
+              <a:endParaRPr lang="zh-CN" altLang="en-US" sz="900">
+                <a:latin typeface="微软雅黑" panose="020B0503020204020204" pitchFamily="34" charset="-122"/>
+                <a:ea typeface="微软雅黑" panose="020B0503020204020204" pitchFamily="34" charset="-122"/>
+              </a:endParaRPr>
+            </a:p>
+          </p:txBody>
+        </p:sp>
+        <p:sp>
+          <p:nvSpPr>
+            <p:cNvPr id="12" name="矩形 11"/>
+            <p:cNvSpPr/>
+            <p:nvPr/>
+          </p:nvSpPr>
+          <p:spPr>
+            <a:xfrm>
+              <a:off x="3103763" y="3619498"/>
+              <a:ext cx="246169" cy="185057"/>
+            </a:xfrm>
+            <a:prstGeom prst="rect">
+              <a:avLst/>
+            </a:prstGeom>
+            <a:solidFill>
+              <a:schemeClr val="bg1">
+                <a:lumMod val="75000"/>
+              </a:schemeClr>
+            </a:solidFill>
+            <a:ln w="6350">
+              <a:solidFill>
+                <a:schemeClr val="bg1">
+                  <a:lumMod val="50000"/>
+                </a:schemeClr>
+              </a:solidFill>
+              <a:prstDash val="dash"/>
+            </a:ln>
+          </p:spPr>
+          <p:style>
+            <a:lnRef idx="2">
+              <a:schemeClr val="accent1">
+                <a:shade val="50000"/>
+              </a:schemeClr>
+            </a:lnRef>
+            <a:fillRef idx="1">
+              <a:schemeClr val="accent1"/>
+            </a:fillRef>
+            <a:effectRef idx="0">
+              <a:schemeClr val="accent1"/>
+            </a:effectRef>
+            <a:fontRef idx="minor">
+              <a:schemeClr val="lt1"/>
+            </a:fontRef>
+          </p:style>
+          <p:txBody>
+            <a:bodyPr rtlCol="0" anchor="ctr"/>
+            <a:lstStyle/>
+            <a:p>
+              <a:pPr algn="ctr"/>
+              <a:endParaRPr lang="zh-CN" altLang="en-US" sz="900">
+                <a:latin typeface="微软雅黑" panose="020B0503020204020204" pitchFamily="34" charset="-122"/>
+                <a:ea typeface="微软雅黑" panose="020B0503020204020204" pitchFamily="34" charset="-122"/>
+              </a:endParaRPr>
+            </a:p>
+          </p:txBody>
+        </p:sp>
+        <p:sp>
+          <p:nvSpPr>
+            <p:cNvPr id="24" name="矩形 23"/>
+            <p:cNvSpPr/>
+            <p:nvPr/>
+          </p:nvSpPr>
+          <p:spPr>
+            <a:xfrm>
+              <a:off x="2857287" y="3434440"/>
+              <a:ext cx="492338" cy="370115"/>
+            </a:xfrm>
+            <a:prstGeom prst="rect">
+              <a:avLst/>
+            </a:prstGeom>
+            <a:noFill/>
+            <a:ln>
+              <a:noFill/>
             </a:ln>
           </p:spPr>
           <p:style>
@@ -5239,681 +5155,129 @@
           </p:txBody>
         </p:sp>
       </p:grpSp>
+      <p:sp>
+        <p:nvSpPr>
+          <p:cNvPr id="63" name="圆角矩形 62"/>
+          <p:cNvSpPr/>
+          <p:nvPr/>
+        </p:nvSpPr>
+        <p:spPr>
+          <a:xfrm>
+            <a:off x="3585038" y="2322324"/>
+            <a:ext cx="631854" cy="524302"/>
+          </a:xfrm>
+          <a:prstGeom prst="roundRect">
+            <a:avLst>
+              <a:gd name="adj" fmla="val 11085"/>
+            </a:avLst>
+          </a:prstGeom>
+          <a:noFill/>
+          <a:ln w="6350">
+            <a:solidFill>
+              <a:schemeClr val="bg1">
+                <a:lumMod val="50000"/>
+              </a:schemeClr>
+            </a:solidFill>
+            <a:prstDash val="dash"/>
+          </a:ln>
+        </p:spPr>
+        <p:style>
+          <a:lnRef idx="2">
+            <a:schemeClr val="accent1">
+              <a:shade val="50000"/>
+            </a:schemeClr>
+          </a:lnRef>
+          <a:fillRef idx="1">
+            <a:schemeClr val="accent1"/>
+          </a:fillRef>
+          <a:effectRef idx="0">
+            <a:schemeClr val="accent1"/>
+          </a:effectRef>
+          <a:fontRef idx="minor">
+            <a:schemeClr val="lt1"/>
+          </a:fontRef>
+        </p:style>
+        <p:txBody>
+          <a:bodyPr rtlCol="0" anchor="ctr"/>
+          <a:lstStyle/>
+          <a:p>
+            <a:pPr algn="ctr"/>
+            <a:endParaRPr lang="zh-CN" altLang="en-US" sz="900">
+              <a:latin typeface="微软雅黑" panose="020B0503020204020204" pitchFamily="34" charset="-122"/>
+              <a:ea typeface="微软雅黑" panose="020B0503020204020204" pitchFamily="34" charset="-122"/>
+            </a:endParaRPr>
+          </a:p>
+        </p:txBody>
+      </p:sp>
+      <p:sp>
+        <p:nvSpPr>
+          <p:cNvPr id="69" name="矩形 68"/>
+          <p:cNvSpPr/>
+          <p:nvPr/>
+        </p:nvSpPr>
+        <p:spPr>
+          <a:xfrm>
+            <a:off x="5611857" y="2313975"/>
+            <a:ext cx="758299" cy="151061"/>
+          </a:xfrm>
+          <a:prstGeom prst="rect">
+            <a:avLst/>
+          </a:prstGeom>
+        </p:spPr>
+        <p:txBody>
+          <a:bodyPr wrap="none">
+            <a:spAutoFit/>
+          </a:bodyPr>
+          <a:lstStyle/>
+          <a:p>
+            <a:pPr algn="ctr"/>
+            <a:r>
+              <a:rPr lang="en-US" altLang="zh-CN" sz="900" dirty="0" err="1" smtClean="0">
+                <a:latin typeface="微软雅黑" panose="020B0503020204020204" pitchFamily="34" charset="-122"/>
+                <a:ea typeface="微软雅黑" panose="020B0503020204020204" pitchFamily="34" charset="-122"/>
+              </a:rPr>
+              <a:t>order_header</a:t>
+            </a:r>
+            <a:endParaRPr lang="zh-CN" altLang="en-US" sz="900" dirty="0">
+              <a:latin typeface="微软雅黑" panose="020B0503020204020204" pitchFamily="34" charset="-122"/>
+              <a:ea typeface="微软雅黑" panose="020B0503020204020204" pitchFamily="34" charset="-122"/>
+            </a:endParaRPr>
+          </a:p>
+        </p:txBody>
+      </p:sp>
       <p:grpSp>
         <p:nvGrpSpPr>
-          <p:cNvPr id="107" name="组合 106"/>
+          <p:cNvPr id="70" name="组合 69"/>
           <p:cNvGrpSpPr/>
           <p:nvPr/>
         </p:nvGrpSpPr>
         <p:grpSpPr>
           <a:xfrm>
-            <a:off x="5380040" y="2178159"/>
-            <a:ext cx="1858406" cy="566139"/>
-            <a:chOff x="5380040" y="1982843"/>
-            <a:chExt cx="1927286" cy="712271"/>
+            <a:off x="5781794" y="2524812"/>
+            <a:ext cx="406569" cy="242211"/>
+            <a:chOff x="2857287" y="3434440"/>
+            <a:chExt cx="492645" cy="370115"/>
           </a:xfrm>
         </p:grpSpPr>
         <p:sp>
           <p:nvSpPr>
-            <p:cNvPr id="69" name="矩形 68"/>
+            <p:cNvPr id="79" name="矩形 78"/>
             <p:cNvSpPr/>
             <p:nvPr/>
           </p:nvSpPr>
           <p:spPr>
             <a:xfrm>
-              <a:off x="5433185" y="1986890"/>
-              <a:ext cx="918841" cy="230832"/>
+              <a:off x="2857594" y="3434442"/>
+              <a:ext cx="246169" cy="185057"/>
             </a:xfrm>
             <a:prstGeom prst="rect">
               <a:avLst/>
             </a:prstGeom>
-          </p:spPr>
-          <p:txBody>
-            <a:bodyPr wrap="none">
-              <a:spAutoFit/>
-            </a:bodyPr>
-            <a:lstStyle/>
-            <a:p>
-              <a:pPr algn="ctr"/>
-              <a:r>
-                <a:rPr lang="en-US" altLang="zh-CN" sz="900" dirty="0" err="1" smtClean="0">
-                  <a:latin typeface="微软雅黑" panose="020B0503020204020204" pitchFamily="34" charset="-122"/>
-                  <a:ea typeface="微软雅黑" panose="020B0503020204020204" pitchFamily="34" charset="-122"/>
-                </a:rPr>
-                <a:t>order_header</a:t>
-              </a:r>
-              <a:endParaRPr lang="zh-CN" altLang="en-US" sz="900" dirty="0">
-                <a:latin typeface="微软雅黑" panose="020B0503020204020204" pitchFamily="34" charset="-122"/>
-                <a:ea typeface="微软雅黑" panose="020B0503020204020204" pitchFamily="34" charset="-122"/>
-              </a:endParaRPr>
-            </a:p>
-          </p:txBody>
-        </p:sp>
-        <p:grpSp>
-          <p:nvGrpSpPr>
-            <p:cNvPr id="70" name="组合 69"/>
-            <p:cNvGrpSpPr/>
-            <p:nvPr/>
-          </p:nvGrpSpPr>
-          <p:grpSpPr>
-            <a:xfrm>
-              <a:off x="5639100" y="2241232"/>
-              <a:ext cx="492645" cy="370115"/>
-              <a:chOff x="2857287" y="3434440"/>
-              <a:chExt cx="492645" cy="370115"/>
-            </a:xfrm>
-          </p:grpSpPr>
-          <p:sp>
-            <p:nvSpPr>
-              <p:cNvPr id="79" name="矩形 78"/>
-              <p:cNvSpPr/>
-              <p:nvPr/>
-            </p:nvSpPr>
-            <p:spPr>
-              <a:xfrm>
-                <a:off x="2857594" y="3434442"/>
-                <a:ext cx="246169" cy="185057"/>
-              </a:xfrm>
-              <a:prstGeom prst="rect">
-                <a:avLst/>
-              </a:prstGeom>
-              <a:solidFill>
-                <a:schemeClr val="bg1">
-                  <a:lumMod val="75000"/>
-                </a:schemeClr>
-              </a:solidFill>
-              <a:ln w="6350">
-                <a:solidFill>
-                  <a:schemeClr val="bg1">
-                    <a:lumMod val="50000"/>
-                  </a:schemeClr>
-                </a:solidFill>
-                <a:prstDash val="dash"/>
-              </a:ln>
-            </p:spPr>
-            <p:style>
-              <a:lnRef idx="2">
-                <a:schemeClr val="accent1">
-                  <a:shade val="50000"/>
-                </a:schemeClr>
-              </a:lnRef>
-              <a:fillRef idx="1">
-                <a:schemeClr val="accent1"/>
-              </a:fillRef>
-              <a:effectRef idx="0">
-                <a:schemeClr val="accent1"/>
-              </a:effectRef>
-              <a:fontRef idx="minor">
-                <a:schemeClr val="lt1"/>
-              </a:fontRef>
-            </p:style>
-            <p:txBody>
-              <a:bodyPr rtlCol="0" anchor="ctr"/>
-              <a:lstStyle/>
-              <a:p>
-                <a:pPr algn="ctr"/>
-                <a:endParaRPr lang="zh-CN" altLang="en-US" sz="900">
-                  <a:latin typeface="微软雅黑" panose="020B0503020204020204" pitchFamily="34" charset="-122"/>
-                  <a:ea typeface="微软雅黑" panose="020B0503020204020204" pitchFamily="34" charset="-122"/>
-                </a:endParaRPr>
-              </a:p>
-            </p:txBody>
-          </p:sp>
-          <p:sp>
-            <p:nvSpPr>
-              <p:cNvPr id="80" name="矩形 79"/>
-              <p:cNvSpPr/>
-              <p:nvPr/>
-            </p:nvSpPr>
-            <p:spPr>
-              <a:xfrm>
-                <a:off x="3103763" y="3434441"/>
-                <a:ext cx="246169" cy="185057"/>
-              </a:xfrm>
-              <a:prstGeom prst="rect">
-                <a:avLst/>
-              </a:prstGeom>
-              <a:solidFill>
-                <a:schemeClr val="bg1">
-                  <a:lumMod val="75000"/>
-                </a:schemeClr>
-              </a:solidFill>
-              <a:ln w="6350">
-                <a:solidFill>
-                  <a:schemeClr val="bg1">
-                    <a:lumMod val="50000"/>
-                  </a:schemeClr>
-                </a:solidFill>
-                <a:prstDash val="dash"/>
-              </a:ln>
-            </p:spPr>
-            <p:style>
-              <a:lnRef idx="2">
-                <a:schemeClr val="accent1">
-                  <a:shade val="50000"/>
-                </a:schemeClr>
-              </a:lnRef>
-              <a:fillRef idx="1">
-                <a:schemeClr val="accent1"/>
-              </a:fillRef>
-              <a:effectRef idx="0">
-                <a:schemeClr val="accent1"/>
-              </a:effectRef>
-              <a:fontRef idx="minor">
-                <a:schemeClr val="lt1"/>
-              </a:fontRef>
-            </p:style>
-            <p:txBody>
-              <a:bodyPr rtlCol="0" anchor="ctr"/>
-              <a:lstStyle/>
-              <a:p>
-                <a:pPr algn="ctr"/>
-                <a:endParaRPr lang="zh-CN" altLang="en-US" sz="900">
-                  <a:latin typeface="微软雅黑" panose="020B0503020204020204" pitchFamily="34" charset="-122"/>
-                  <a:ea typeface="微软雅黑" panose="020B0503020204020204" pitchFamily="34" charset="-122"/>
-                </a:endParaRPr>
-              </a:p>
-            </p:txBody>
-          </p:sp>
-          <p:sp>
-            <p:nvSpPr>
-              <p:cNvPr id="81" name="矩形 80"/>
-              <p:cNvSpPr/>
-              <p:nvPr/>
-            </p:nvSpPr>
-            <p:spPr>
-              <a:xfrm>
-                <a:off x="2857594" y="3619498"/>
-                <a:ext cx="246169" cy="185057"/>
-              </a:xfrm>
-              <a:prstGeom prst="rect">
-                <a:avLst/>
-              </a:prstGeom>
-              <a:solidFill>
-                <a:schemeClr val="bg1">
-                  <a:lumMod val="75000"/>
-                </a:schemeClr>
-              </a:solidFill>
-              <a:ln w="6350">
-                <a:solidFill>
-                  <a:schemeClr val="bg1">
-                    <a:lumMod val="50000"/>
-                  </a:schemeClr>
-                </a:solidFill>
-                <a:prstDash val="dash"/>
-              </a:ln>
-            </p:spPr>
-            <p:style>
-              <a:lnRef idx="2">
-                <a:schemeClr val="accent1">
-                  <a:shade val="50000"/>
-                </a:schemeClr>
-              </a:lnRef>
-              <a:fillRef idx="1">
-                <a:schemeClr val="accent1"/>
-              </a:fillRef>
-              <a:effectRef idx="0">
-                <a:schemeClr val="accent1"/>
-              </a:effectRef>
-              <a:fontRef idx="minor">
-                <a:schemeClr val="lt1"/>
-              </a:fontRef>
-            </p:style>
-            <p:txBody>
-              <a:bodyPr rtlCol="0" anchor="ctr"/>
-              <a:lstStyle/>
-              <a:p>
-                <a:pPr algn="ctr"/>
-                <a:endParaRPr lang="zh-CN" altLang="en-US" sz="900">
-                  <a:latin typeface="微软雅黑" panose="020B0503020204020204" pitchFamily="34" charset="-122"/>
-                  <a:ea typeface="微软雅黑" panose="020B0503020204020204" pitchFamily="34" charset="-122"/>
-                </a:endParaRPr>
-              </a:p>
-            </p:txBody>
-          </p:sp>
-          <p:sp>
-            <p:nvSpPr>
-              <p:cNvPr id="82" name="矩形 81"/>
-              <p:cNvSpPr/>
-              <p:nvPr/>
-            </p:nvSpPr>
-            <p:spPr>
-              <a:xfrm>
-                <a:off x="3103763" y="3619498"/>
-                <a:ext cx="246169" cy="185057"/>
-              </a:xfrm>
-              <a:prstGeom prst="rect">
-                <a:avLst/>
-              </a:prstGeom>
-              <a:solidFill>
-                <a:schemeClr val="bg1">
-                  <a:lumMod val="75000"/>
-                </a:schemeClr>
-              </a:solidFill>
-              <a:ln w="6350">
-                <a:solidFill>
-                  <a:schemeClr val="bg1">
-                    <a:lumMod val="50000"/>
-                  </a:schemeClr>
-                </a:solidFill>
-                <a:prstDash val="dash"/>
-              </a:ln>
-            </p:spPr>
-            <p:style>
-              <a:lnRef idx="2">
-                <a:schemeClr val="accent1">
-                  <a:shade val="50000"/>
-                </a:schemeClr>
-              </a:lnRef>
-              <a:fillRef idx="1">
-                <a:schemeClr val="accent1"/>
-              </a:fillRef>
-              <a:effectRef idx="0">
-                <a:schemeClr val="accent1"/>
-              </a:effectRef>
-              <a:fontRef idx="minor">
-                <a:schemeClr val="lt1"/>
-              </a:fontRef>
-            </p:style>
-            <p:txBody>
-              <a:bodyPr rtlCol="0" anchor="ctr"/>
-              <a:lstStyle/>
-              <a:p>
-                <a:pPr algn="ctr"/>
-                <a:endParaRPr lang="zh-CN" altLang="en-US" sz="900">
-                  <a:latin typeface="微软雅黑" panose="020B0503020204020204" pitchFamily="34" charset="-122"/>
-                  <a:ea typeface="微软雅黑" panose="020B0503020204020204" pitchFamily="34" charset="-122"/>
-                </a:endParaRPr>
-              </a:p>
-            </p:txBody>
-          </p:sp>
-          <p:sp>
-            <p:nvSpPr>
-              <p:cNvPr id="83" name="矩形 82"/>
-              <p:cNvSpPr/>
-              <p:nvPr/>
-            </p:nvSpPr>
-            <p:spPr>
-              <a:xfrm>
-                <a:off x="2857287" y="3434440"/>
-                <a:ext cx="492338" cy="370115"/>
-              </a:xfrm>
-              <a:prstGeom prst="rect">
-                <a:avLst/>
-              </a:prstGeom>
-              <a:noFill/>
-              <a:ln>
-                <a:noFill/>
-              </a:ln>
-            </p:spPr>
-            <p:style>
-              <a:lnRef idx="2">
-                <a:schemeClr val="accent1">
-                  <a:shade val="50000"/>
-                </a:schemeClr>
-              </a:lnRef>
-              <a:fillRef idx="1">
-                <a:schemeClr val="accent1"/>
-              </a:fillRef>
-              <a:effectRef idx="0">
-                <a:schemeClr val="accent1"/>
-              </a:effectRef>
-              <a:fontRef idx="minor">
-                <a:schemeClr val="lt1"/>
-              </a:fontRef>
-            </p:style>
-            <p:txBody>
-              <a:bodyPr rtlCol="0" anchor="ctr"/>
-              <a:lstStyle/>
-              <a:p>
-                <a:pPr algn="ctr"/>
-                <a:endParaRPr lang="zh-CN" altLang="en-US" sz="900">
-                  <a:latin typeface="微软雅黑" panose="020B0503020204020204" pitchFamily="34" charset="-122"/>
-                  <a:ea typeface="微软雅黑" panose="020B0503020204020204" pitchFamily="34" charset="-122"/>
-                </a:endParaRPr>
-              </a:p>
-            </p:txBody>
-          </p:sp>
-        </p:grpSp>
-        <p:sp>
-          <p:nvSpPr>
-            <p:cNvPr id="71" name="矩形 70"/>
-            <p:cNvSpPr/>
-            <p:nvPr/>
-          </p:nvSpPr>
-          <p:spPr>
-            <a:xfrm>
-              <a:off x="6436481" y="1990719"/>
-              <a:ext cx="843500" cy="230832"/>
-            </a:xfrm>
-            <a:prstGeom prst="rect">
-              <a:avLst/>
-            </a:prstGeom>
-          </p:spPr>
-          <p:txBody>
-            <a:bodyPr wrap="none">
-              <a:spAutoFit/>
-            </a:bodyPr>
-            <a:lstStyle/>
-            <a:p>
-              <a:pPr algn="ctr"/>
-              <a:r>
-                <a:rPr lang="en-US" altLang="zh-CN" sz="900" dirty="0" err="1" smtClean="0">
-                  <a:latin typeface="微软雅黑" panose="020B0503020204020204" pitchFamily="34" charset="-122"/>
-                  <a:ea typeface="微软雅黑" panose="020B0503020204020204" pitchFamily="34" charset="-122"/>
-                </a:rPr>
-                <a:t>order_detail</a:t>
-              </a:r>
-              <a:endParaRPr lang="zh-CN" altLang="en-US" sz="900" dirty="0">
-                <a:latin typeface="微软雅黑" panose="020B0503020204020204" pitchFamily="34" charset="-122"/>
-                <a:ea typeface="微软雅黑" panose="020B0503020204020204" pitchFamily="34" charset="-122"/>
-              </a:endParaRPr>
-            </a:p>
-          </p:txBody>
-        </p:sp>
-        <p:grpSp>
-          <p:nvGrpSpPr>
-            <p:cNvPr id="72" name="组合 71"/>
-            <p:cNvGrpSpPr/>
-            <p:nvPr/>
-          </p:nvGrpSpPr>
-          <p:grpSpPr>
-            <a:xfrm>
-              <a:off x="6604725" y="2245061"/>
-              <a:ext cx="492645" cy="370115"/>
-              <a:chOff x="2857287" y="3434440"/>
-              <a:chExt cx="492645" cy="370115"/>
-            </a:xfrm>
-          </p:grpSpPr>
-          <p:sp>
-            <p:nvSpPr>
-              <p:cNvPr id="74" name="矩形 73"/>
-              <p:cNvSpPr/>
-              <p:nvPr/>
-            </p:nvSpPr>
-            <p:spPr>
-              <a:xfrm>
-                <a:off x="2857594" y="3434442"/>
-                <a:ext cx="246169" cy="185057"/>
-              </a:xfrm>
-              <a:prstGeom prst="rect">
-                <a:avLst/>
-              </a:prstGeom>
-              <a:solidFill>
-                <a:schemeClr val="bg1">
-                  <a:lumMod val="75000"/>
-                </a:schemeClr>
-              </a:solidFill>
-              <a:ln w="6350">
-                <a:solidFill>
-                  <a:schemeClr val="bg1">
-                    <a:lumMod val="50000"/>
-                  </a:schemeClr>
-                </a:solidFill>
-                <a:prstDash val="dash"/>
-              </a:ln>
-            </p:spPr>
-            <p:style>
-              <a:lnRef idx="2">
-                <a:schemeClr val="accent1">
-                  <a:shade val="50000"/>
-                </a:schemeClr>
-              </a:lnRef>
-              <a:fillRef idx="1">
-                <a:schemeClr val="accent1"/>
-              </a:fillRef>
-              <a:effectRef idx="0">
-                <a:schemeClr val="accent1"/>
-              </a:effectRef>
-              <a:fontRef idx="minor">
-                <a:schemeClr val="lt1"/>
-              </a:fontRef>
-            </p:style>
-            <p:txBody>
-              <a:bodyPr rtlCol="0" anchor="ctr"/>
-              <a:lstStyle/>
-              <a:p>
-                <a:pPr algn="ctr"/>
-                <a:endParaRPr lang="zh-CN" altLang="en-US" sz="900">
-                  <a:latin typeface="微软雅黑" panose="020B0503020204020204" pitchFamily="34" charset="-122"/>
-                  <a:ea typeface="微软雅黑" panose="020B0503020204020204" pitchFamily="34" charset="-122"/>
-                </a:endParaRPr>
-              </a:p>
-            </p:txBody>
-          </p:sp>
-          <p:sp>
-            <p:nvSpPr>
-              <p:cNvPr id="75" name="矩形 74"/>
-              <p:cNvSpPr/>
-              <p:nvPr/>
-            </p:nvSpPr>
-            <p:spPr>
-              <a:xfrm>
-                <a:off x="3103763" y="3434441"/>
-                <a:ext cx="246169" cy="185057"/>
-              </a:xfrm>
-              <a:prstGeom prst="rect">
-                <a:avLst/>
-              </a:prstGeom>
-              <a:solidFill>
-                <a:schemeClr val="bg1">
-                  <a:lumMod val="75000"/>
-                </a:schemeClr>
-              </a:solidFill>
-              <a:ln w="6350">
-                <a:solidFill>
-                  <a:schemeClr val="bg1">
-                    <a:lumMod val="50000"/>
-                  </a:schemeClr>
-                </a:solidFill>
-                <a:prstDash val="dash"/>
-              </a:ln>
-            </p:spPr>
-            <p:style>
-              <a:lnRef idx="2">
-                <a:schemeClr val="accent1">
-                  <a:shade val="50000"/>
-                </a:schemeClr>
-              </a:lnRef>
-              <a:fillRef idx="1">
-                <a:schemeClr val="accent1"/>
-              </a:fillRef>
-              <a:effectRef idx="0">
-                <a:schemeClr val="accent1"/>
-              </a:effectRef>
-              <a:fontRef idx="minor">
-                <a:schemeClr val="lt1"/>
-              </a:fontRef>
-            </p:style>
-            <p:txBody>
-              <a:bodyPr rtlCol="0" anchor="ctr"/>
-              <a:lstStyle/>
-              <a:p>
-                <a:pPr algn="ctr"/>
-                <a:endParaRPr lang="zh-CN" altLang="en-US" sz="900">
-                  <a:latin typeface="微软雅黑" panose="020B0503020204020204" pitchFamily="34" charset="-122"/>
-                  <a:ea typeface="微软雅黑" panose="020B0503020204020204" pitchFamily="34" charset="-122"/>
-                </a:endParaRPr>
-              </a:p>
-            </p:txBody>
-          </p:sp>
-          <p:sp>
-            <p:nvSpPr>
-              <p:cNvPr id="76" name="矩形 75"/>
-              <p:cNvSpPr/>
-              <p:nvPr/>
-            </p:nvSpPr>
-            <p:spPr>
-              <a:xfrm>
-                <a:off x="2857594" y="3619498"/>
-                <a:ext cx="246169" cy="185057"/>
-              </a:xfrm>
-              <a:prstGeom prst="rect">
-                <a:avLst/>
-              </a:prstGeom>
-              <a:solidFill>
-                <a:schemeClr val="bg1">
-                  <a:lumMod val="75000"/>
-                </a:schemeClr>
-              </a:solidFill>
-              <a:ln w="6350">
-                <a:solidFill>
-                  <a:schemeClr val="bg1">
-                    <a:lumMod val="50000"/>
-                  </a:schemeClr>
-                </a:solidFill>
-                <a:prstDash val="dash"/>
-              </a:ln>
-            </p:spPr>
-            <p:style>
-              <a:lnRef idx="2">
-                <a:schemeClr val="accent1">
-                  <a:shade val="50000"/>
-                </a:schemeClr>
-              </a:lnRef>
-              <a:fillRef idx="1">
-                <a:schemeClr val="accent1"/>
-              </a:fillRef>
-              <a:effectRef idx="0">
-                <a:schemeClr val="accent1"/>
-              </a:effectRef>
-              <a:fontRef idx="minor">
-                <a:schemeClr val="lt1"/>
-              </a:fontRef>
-            </p:style>
-            <p:txBody>
-              <a:bodyPr rtlCol="0" anchor="ctr"/>
-              <a:lstStyle/>
-              <a:p>
-                <a:pPr algn="ctr"/>
-                <a:endParaRPr lang="zh-CN" altLang="en-US" sz="900">
-                  <a:latin typeface="微软雅黑" panose="020B0503020204020204" pitchFamily="34" charset="-122"/>
-                  <a:ea typeface="微软雅黑" panose="020B0503020204020204" pitchFamily="34" charset="-122"/>
-                </a:endParaRPr>
-              </a:p>
-            </p:txBody>
-          </p:sp>
-          <p:sp>
-            <p:nvSpPr>
-              <p:cNvPr id="77" name="矩形 76"/>
-              <p:cNvSpPr/>
-              <p:nvPr/>
-            </p:nvSpPr>
-            <p:spPr>
-              <a:xfrm>
-                <a:off x="3103763" y="3619498"/>
-                <a:ext cx="246169" cy="185057"/>
-              </a:xfrm>
-              <a:prstGeom prst="rect">
-                <a:avLst/>
-              </a:prstGeom>
-              <a:solidFill>
-                <a:schemeClr val="bg1">
-                  <a:lumMod val="75000"/>
-                </a:schemeClr>
-              </a:solidFill>
-              <a:ln w="6350">
-                <a:solidFill>
-                  <a:schemeClr val="bg1">
-                    <a:lumMod val="50000"/>
-                  </a:schemeClr>
-                </a:solidFill>
-                <a:prstDash val="dash"/>
-              </a:ln>
-            </p:spPr>
-            <p:style>
-              <a:lnRef idx="2">
-                <a:schemeClr val="accent1">
-                  <a:shade val="50000"/>
-                </a:schemeClr>
-              </a:lnRef>
-              <a:fillRef idx="1">
-                <a:schemeClr val="accent1"/>
-              </a:fillRef>
-              <a:effectRef idx="0">
-                <a:schemeClr val="accent1"/>
-              </a:effectRef>
-              <a:fontRef idx="minor">
-                <a:schemeClr val="lt1"/>
-              </a:fontRef>
-            </p:style>
-            <p:txBody>
-              <a:bodyPr rtlCol="0" anchor="ctr"/>
-              <a:lstStyle/>
-              <a:p>
-                <a:pPr algn="ctr"/>
-                <a:endParaRPr lang="zh-CN" altLang="en-US" sz="900">
-                  <a:latin typeface="微软雅黑" panose="020B0503020204020204" pitchFamily="34" charset="-122"/>
-                  <a:ea typeface="微软雅黑" panose="020B0503020204020204" pitchFamily="34" charset="-122"/>
-                </a:endParaRPr>
-              </a:p>
-            </p:txBody>
-          </p:sp>
-          <p:sp>
-            <p:nvSpPr>
-              <p:cNvPr id="78" name="矩形 77"/>
-              <p:cNvSpPr/>
-              <p:nvPr/>
-            </p:nvSpPr>
-            <p:spPr>
-              <a:xfrm>
-                <a:off x="2857287" y="3434440"/>
-                <a:ext cx="492338" cy="370115"/>
-              </a:xfrm>
-              <a:prstGeom prst="rect">
-                <a:avLst/>
-              </a:prstGeom>
-              <a:noFill/>
-              <a:ln>
-                <a:noFill/>
-              </a:ln>
-            </p:spPr>
-            <p:style>
-              <a:lnRef idx="2">
-                <a:schemeClr val="accent1">
-                  <a:shade val="50000"/>
-                </a:schemeClr>
-              </a:lnRef>
-              <a:fillRef idx="1">
-                <a:schemeClr val="accent1"/>
-              </a:fillRef>
-              <a:effectRef idx="0">
-                <a:schemeClr val="accent1"/>
-              </a:effectRef>
-              <a:fontRef idx="minor">
-                <a:schemeClr val="lt1"/>
-              </a:fontRef>
-            </p:style>
-            <p:txBody>
-              <a:bodyPr rtlCol="0" anchor="ctr"/>
-              <a:lstStyle/>
-              <a:p>
-                <a:pPr algn="ctr"/>
-                <a:endParaRPr lang="zh-CN" altLang="en-US" sz="900">
-                  <a:latin typeface="微软雅黑" panose="020B0503020204020204" pitchFamily="34" charset="-122"/>
-                  <a:ea typeface="微软雅黑" panose="020B0503020204020204" pitchFamily="34" charset="-122"/>
-                </a:endParaRPr>
-              </a:p>
-            </p:txBody>
-          </p:sp>
-        </p:grpSp>
-        <p:sp>
-          <p:nvSpPr>
-            <p:cNvPr id="73" name="圆角矩形 72"/>
-            <p:cNvSpPr/>
-            <p:nvPr/>
-          </p:nvSpPr>
-          <p:spPr>
-            <a:xfrm>
-              <a:off x="5380040" y="1982843"/>
-              <a:ext cx="1927286" cy="712271"/>
-            </a:xfrm>
-            <a:prstGeom prst="roundRect">
-              <a:avLst>
-                <a:gd name="adj" fmla="val 11085"/>
-              </a:avLst>
-            </a:prstGeom>
-            <a:noFill/>
+            <a:solidFill>
+              <a:schemeClr val="bg1">
+                <a:lumMod val="75000"/>
+              </a:schemeClr>
+            </a:solidFill>
             <a:ln w="6350">
               <a:solidFill>
                 <a:schemeClr val="bg1">
@@ -5921,6 +5285,221 @@
                 </a:schemeClr>
               </a:solidFill>
               <a:prstDash val="dash"/>
+            </a:ln>
+          </p:spPr>
+          <p:style>
+            <a:lnRef idx="2">
+              <a:schemeClr val="accent1">
+                <a:shade val="50000"/>
+              </a:schemeClr>
+            </a:lnRef>
+            <a:fillRef idx="1">
+              <a:schemeClr val="accent1"/>
+            </a:fillRef>
+            <a:effectRef idx="0">
+              <a:schemeClr val="accent1"/>
+            </a:effectRef>
+            <a:fontRef idx="minor">
+              <a:schemeClr val="lt1"/>
+            </a:fontRef>
+          </p:style>
+          <p:txBody>
+            <a:bodyPr rtlCol="0" anchor="ctr"/>
+            <a:lstStyle/>
+            <a:p>
+              <a:pPr algn="ctr"/>
+              <a:endParaRPr lang="zh-CN" altLang="en-US" sz="900">
+                <a:latin typeface="微软雅黑" panose="020B0503020204020204" pitchFamily="34" charset="-122"/>
+                <a:ea typeface="微软雅黑" panose="020B0503020204020204" pitchFamily="34" charset="-122"/>
+              </a:endParaRPr>
+            </a:p>
+          </p:txBody>
+        </p:sp>
+        <p:sp>
+          <p:nvSpPr>
+            <p:cNvPr id="80" name="矩形 79"/>
+            <p:cNvSpPr/>
+            <p:nvPr/>
+          </p:nvSpPr>
+          <p:spPr>
+            <a:xfrm>
+              <a:off x="3103763" y="3434441"/>
+              <a:ext cx="246169" cy="185057"/>
+            </a:xfrm>
+            <a:prstGeom prst="rect">
+              <a:avLst/>
+            </a:prstGeom>
+            <a:solidFill>
+              <a:schemeClr val="bg1">
+                <a:lumMod val="75000"/>
+              </a:schemeClr>
+            </a:solidFill>
+            <a:ln w="6350">
+              <a:solidFill>
+                <a:schemeClr val="bg1">
+                  <a:lumMod val="50000"/>
+                </a:schemeClr>
+              </a:solidFill>
+              <a:prstDash val="dash"/>
+            </a:ln>
+          </p:spPr>
+          <p:style>
+            <a:lnRef idx="2">
+              <a:schemeClr val="accent1">
+                <a:shade val="50000"/>
+              </a:schemeClr>
+            </a:lnRef>
+            <a:fillRef idx="1">
+              <a:schemeClr val="accent1"/>
+            </a:fillRef>
+            <a:effectRef idx="0">
+              <a:schemeClr val="accent1"/>
+            </a:effectRef>
+            <a:fontRef idx="minor">
+              <a:schemeClr val="lt1"/>
+            </a:fontRef>
+          </p:style>
+          <p:txBody>
+            <a:bodyPr rtlCol="0" anchor="ctr"/>
+            <a:lstStyle/>
+            <a:p>
+              <a:pPr algn="ctr"/>
+              <a:endParaRPr lang="zh-CN" altLang="en-US" sz="900">
+                <a:latin typeface="微软雅黑" panose="020B0503020204020204" pitchFamily="34" charset="-122"/>
+                <a:ea typeface="微软雅黑" panose="020B0503020204020204" pitchFamily="34" charset="-122"/>
+              </a:endParaRPr>
+            </a:p>
+          </p:txBody>
+        </p:sp>
+        <p:sp>
+          <p:nvSpPr>
+            <p:cNvPr id="81" name="矩形 80"/>
+            <p:cNvSpPr/>
+            <p:nvPr/>
+          </p:nvSpPr>
+          <p:spPr>
+            <a:xfrm>
+              <a:off x="2857594" y="3619498"/>
+              <a:ext cx="246169" cy="185057"/>
+            </a:xfrm>
+            <a:prstGeom prst="rect">
+              <a:avLst/>
+            </a:prstGeom>
+            <a:solidFill>
+              <a:schemeClr val="bg1">
+                <a:lumMod val="75000"/>
+              </a:schemeClr>
+            </a:solidFill>
+            <a:ln w="6350">
+              <a:solidFill>
+                <a:schemeClr val="bg1">
+                  <a:lumMod val="50000"/>
+                </a:schemeClr>
+              </a:solidFill>
+              <a:prstDash val="dash"/>
+            </a:ln>
+          </p:spPr>
+          <p:style>
+            <a:lnRef idx="2">
+              <a:schemeClr val="accent1">
+                <a:shade val="50000"/>
+              </a:schemeClr>
+            </a:lnRef>
+            <a:fillRef idx="1">
+              <a:schemeClr val="accent1"/>
+            </a:fillRef>
+            <a:effectRef idx="0">
+              <a:schemeClr val="accent1"/>
+            </a:effectRef>
+            <a:fontRef idx="minor">
+              <a:schemeClr val="lt1"/>
+            </a:fontRef>
+          </p:style>
+          <p:txBody>
+            <a:bodyPr rtlCol="0" anchor="ctr"/>
+            <a:lstStyle/>
+            <a:p>
+              <a:pPr algn="ctr"/>
+              <a:endParaRPr lang="zh-CN" altLang="en-US" sz="900">
+                <a:latin typeface="微软雅黑" panose="020B0503020204020204" pitchFamily="34" charset="-122"/>
+                <a:ea typeface="微软雅黑" panose="020B0503020204020204" pitchFamily="34" charset="-122"/>
+              </a:endParaRPr>
+            </a:p>
+          </p:txBody>
+        </p:sp>
+        <p:sp>
+          <p:nvSpPr>
+            <p:cNvPr id="82" name="矩形 81"/>
+            <p:cNvSpPr/>
+            <p:nvPr/>
+          </p:nvSpPr>
+          <p:spPr>
+            <a:xfrm>
+              <a:off x="3103763" y="3619498"/>
+              <a:ext cx="246169" cy="185057"/>
+            </a:xfrm>
+            <a:prstGeom prst="rect">
+              <a:avLst/>
+            </a:prstGeom>
+            <a:solidFill>
+              <a:schemeClr val="bg1">
+                <a:lumMod val="75000"/>
+              </a:schemeClr>
+            </a:solidFill>
+            <a:ln w="6350">
+              <a:solidFill>
+                <a:schemeClr val="bg1">
+                  <a:lumMod val="50000"/>
+                </a:schemeClr>
+              </a:solidFill>
+              <a:prstDash val="dash"/>
+            </a:ln>
+          </p:spPr>
+          <p:style>
+            <a:lnRef idx="2">
+              <a:schemeClr val="accent1">
+                <a:shade val="50000"/>
+              </a:schemeClr>
+            </a:lnRef>
+            <a:fillRef idx="1">
+              <a:schemeClr val="accent1"/>
+            </a:fillRef>
+            <a:effectRef idx="0">
+              <a:schemeClr val="accent1"/>
+            </a:effectRef>
+            <a:fontRef idx="minor">
+              <a:schemeClr val="lt1"/>
+            </a:fontRef>
+          </p:style>
+          <p:txBody>
+            <a:bodyPr rtlCol="0" anchor="ctr"/>
+            <a:lstStyle/>
+            <a:p>
+              <a:pPr algn="ctr"/>
+              <a:endParaRPr lang="zh-CN" altLang="en-US" sz="900">
+                <a:latin typeface="微软雅黑" panose="020B0503020204020204" pitchFamily="34" charset="-122"/>
+                <a:ea typeface="微软雅黑" panose="020B0503020204020204" pitchFamily="34" charset="-122"/>
+              </a:endParaRPr>
+            </a:p>
+          </p:txBody>
+        </p:sp>
+        <p:sp>
+          <p:nvSpPr>
+            <p:cNvPr id="83" name="矩形 82"/>
+            <p:cNvSpPr/>
+            <p:nvPr/>
+          </p:nvSpPr>
+          <p:spPr>
+            <a:xfrm>
+              <a:off x="2857287" y="3434440"/>
+              <a:ext cx="492338" cy="370115"/>
+            </a:xfrm>
+            <a:prstGeom prst="rect">
+              <a:avLst/>
+            </a:prstGeom>
+            <a:noFill/>
+            <a:ln>
+              <a:noFill/>
             </a:ln>
           </p:spPr>
           <p:style>
@@ -5952,6 +5531,382 @@
           </p:txBody>
         </p:sp>
       </p:grpSp>
+      <p:sp>
+        <p:nvSpPr>
+          <p:cNvPr id="71" name="矩形 70"/>
+          <p:cNvSpPr/>
+          <p:nvPr/>
+        </p:nvSpPr>
+        <p:spPr>
+          <a:xfrm>
+            <a:off x="6439855" y="2316481"/>
+            <a:ext cx="696122" cy="151061"/>
+          </a:xfrm>
+          <a:prstGeom prst="rect">
+            <a:avLst/>
+          </a:prstGeom>
+        </p:spPr>
+        <p:txBody>
+          <a:bodyPr wrap="none">
+            <a:spAutoFit/>
+          </a:bodyPr>
+          <a:lstStyle/>
+          <a:p>
+            <a:pPr algn="ctr"/>
+            <a:r>
+              <a:rPr lang="en-US" altLang="zh-CN" sz="900" dirty="0" err="1" smtClean="0">
+                <a:latin typeface="微软雅黑" panose="020B0503020204020204" pitchFamily="34" charset="-122"/>
+                <a:ea typeface="微软雅黑" panose="020B0503020204020204" pitchFamily="34" charset="-122"/>
+              </a:rPr>
+              <a:t>order_detail</a:t>
+            </a:r>
+            <a:endParaRPr lang="zh-CN" altLang="en-US" sz="900" dirty="0">
+              <a:latin typeface="微软雅黑" panose="020B0503020204020204" pitchFamily="34" charset="-122"/>
+              <a:ea typeface="微软雅黑" panose="020B0503020204020204" pitchFamily="34" charset="-122"/>
+            </a:endParaRPr>
+          </a:p>
+        </p:txBody>
+      </p:sp>
+      <p:grpSp>
+        <p:nvGrpSpPr>
+          <p:cNvPr id="72" name="组合 71"/>
+          <p:cNvGrpSpPr/>
+          <p:nvPr/>
+        </p:nvGrpSpPr>
+        <p:grpSpPr>
+          <a:xfrm>
+            <a:off x="6578703" y="2527318"/>
+            <a:ext cx="406569" cy="242211"/>
+            <a:chOff x="2857287" y="3434440"/>
+            <a:chExt cx="492645" cy="370115"/>
+          </a:xfrm>
+        </p:grpSpPr>
+        <p:sp>
+          <p:nvSpPr>
+            <p:cNvPr id="74" name="矩形 73"/>
+            <p:cNvSpPr/>
+            <p:nvPr/>
+          </p:nvSpPr>
+          <p:spPr>
+            <a:xfrm>
+              <a:off x="2857594" y="3434442"/>
+              <a:ext cx="246169" cy="185057"/>
+            </a:xfrm>
+            <a:prstGeom prst="rect">
+              <a:avLst/>
+            </a:prstGeom>
+            <a:solidFill>
+              <a:schemeClr val="bg1">
+                <a:lumMod val="75000"/>
+              </a:schemeClr>
+            </a:solidFill>
+            <a:ln w="6350">
+              <a:solidFill>
+                <a:schemeClr val="bg1">
+                  <a:lumMod val="50000"/>
+                </a:schemeClr>
+              </a:solidFill>
+              <a:prstDash val="dash"/>
+            </a:ln>
+          </p:spPr>
+          <p:style>
+            <a:lnRef idx="2">
+              <a:schemeClr val="accent1">
+                <a:shade val="50000"/>
+              </a:schemeClr>
+            </a:lnRef>
+            <a:fillRef idx="1">
+              <a:schemeClr val="accent1"/>
+            </a:fillRef>
+            <a:effectRef idx="0">
+              <a:schemeClr val="accent1"/>
+            </a:effectRef>
+            <a:fontRef idx="minor">
+              <a:schemeClr val="lt1"/>
+            </a:fontRef>
+          </p:style>
+          <p:txBody>
+            <a:bodyPr rtlCol="0" anchor="ctr"/>
+            <a:lstStyle/>
+            <a:p>
+              <a:pPr algn="ctr"/>
+              <a:endParaRPr lang="zh-CN" altLang="en-US" sz="900">
+                <a:latin typeface="微软雅黑" panose="020B0503020204020204" pitchFamily="34" charset="-122"/>
+                <a:ea typeface="微软雅黑" panose="020B0503020204020204" pitchFamily="34" charset="-122"/>
+              </a:endParaRPr>
+            </a:p>
+          </p:txBody>
+        </p:sp>
+        <p:sp>
+          <p:nvSpPr>
+            <p:cNvPr id="75" name="矩形 74"/>
+            <p:cNvSpPr/>
+            <p:nvPr/>
+          </p:nvSpPr>
+          <p:spPr>
+            <a:xfrm>
+              <a:off x="3103763" y="3434441"/>
+              <a:ext cx="246169" cy="185057"/>
+            </a:xfrm>
+            <a:prstGeom prst="rect">
+              <a:avLst/>
+            </a:prstGeom>
+            <a:solidFill>
+              <a:schemeClr val="bg1">
+                <a:lumMod val="75000"/>
+              </a:schemeClr>
+            </a:solidFill>
+            <a:ln w="6350">
+              <a:solidFill>
+                <a:schemeClr val="bg1">
+                  <a:lumMod val="50000"/>
+                </a:schemeClr>
+              </a:solidFill>
+              <a:prstDash val="dash"/>
+            </a:ln>
+          </p:spPr>
+          <p:style>
+            <a:lnRef idx="2">
+              <a:schemeClr val="accent1">
+                <a:shade val="50000"/>
+              </a:schemeClr>
+            </a:lnRef>
+            <a:fillRef idx="1">
+              <a:schemeClr val="accent1"/>
+            </a:fillRef>
+            <a:effectRef idx="0">
+              <a:schemeClr val="accent1"/>
+            </a:effectRef>
+            <a:fontRef idx="minor">
+              <a:schemeClr val="lt1"/>
+            </a:fontRef>
+          </p:style>
+          <p:txBody>
+            <a:bodyPr rtlCol="0" anchor="ctr"/>
+            <a:lstStyle/>
+            <a:p>
+              <a:pPr algn="ctr"/>
+              <a:endParaRPr lang="zh-CN" altLang="en-US" sz="900">
+                <a:latin typeface="微软雅黑" panose="020B0503020204020204" pitchFamily="34" charset="-122"/>
+                <a:ea typeface="微软雅黑" panose="020B0503020204020204" pitchFamily="34" charset="-122"/>
+              </a:endParaRPr>
+            </a:p>
+          </p:txBody>
+        </p:sp>
+        <p:sp>
+          <p:nvSpPr>
+            <p:cNvPr id="76" name="矩形 75"/>
+            <p:cNvSpPr/>
+            <p:nvPr/>
+          </p:nvSpPr>
+          <p:spPr>
+            <a:xfrm>
+              <a:off x="2857594" y="3619498"/>
+              <a:ext cx="246169" cy="185057"/>
+            </a:xfrm>
+            <a:prstGeom prst="rect">
+              <a:avLst/>
+            </a:prstGeom>
+            <a:solidFill>
+              <a:schemeClr val="bg1">
+                <a:lumMod val="75000"/>
+              </a:schemeClr>
+            </a:solidFill>
+            <a:ln w="6350">
+              <a:solidFill>
+                <a:schemeClr val="bg1">
+                  <a:lumMod val="50000"/>
+                </a:schemeClr>
+              </a:solidFill>
+              <a:prstDash val="dash"/>
+            </a:ln>
+          </p:spPr>
+          <p:style>
+            <a:lnRef idx="2">
+              <a:schemeClr val="accent1">
+                <a:shade val="50000"/>
+              </a:schemeClr>
+            </a:lnRef>
+            <a:fillRef idx="1">
+              <a:schemeClr val="accent1"/>
+            </a:fillRef>
+            <a:effectRef idx="0">
+              <a:schemeClr val="accent1"/>
+            </a:effectRef>
+            <a:fontRef idx="minor">
+              <a:schemeClr val="lt1"/>
+            </a:fontRef>
+          </p:style>
+          <p:txBody>
+            <a:bodyPr rtlCol="0" anchor="ctr"/>
+            <a:lstStyle/>
+            <a:p>
+              <a:pPr algn="ctr"/>
+              <a:endParaRPr lang="zh-CN" altLang="en-US" sz="900">
+                <a:latin typeface="微软雅黑" panose="020B0503020204020204" pitchFamily="34" charset="-122"/>
+                <a:ea typeface="微软雅黑" panose="020B0503020204020204" pitchFamily="34" charset="-122"/>
+              </a:endParaRPr>
+            </a:p>
+          </p:txBody>
+        </p:sp>
+        <p:sp>
+          <p:nvSpPr>
+            <p:cNvPr id="77" name="矩形 76"/>
+            <p:cNvSpPr/>
+            <p:nvPr/>
+          </p:nvSpPr>
+          <p:spPr>
+            <a:xfrm>
+              <a:off x="3103763" y="3619498"/>
+              <a:ext cx="246169" cy="185057"/>
+            </a:xfrm>
+            <a:prstGeom prst="rect">
+              <a:avLst/>
+            </a:prstGeom>
+            <a:solidFill>
+              <a:schemeClr val="bg1">
+                <a:lumMod val="75000"/>
+              </a:schemeClr>
+            </a:solidFill>
+            <a:ln w="6350">
+              <a:solidFill>
+                <a:schemeClr val="bg1">
+                  <a:lumMod val="50000"/>
+                </a:schemeClr>
+              </a:solidFill>
+              <a:prstDash val="dash"/>
+            </a:ln>
+          </p:spPr>
+          <p:style>
+            <a:lnRef idx="2">
+              <a:schemeClr val="accent1">
+                <a:shade val="50000"/>
+              </a:schemeClr>
+            </a:lnRef>
+            <a:fillRef idx="1">
+              <a:schemeClr val="accent1"/>
+            </a:fillRef>
+            <a:effectRef idx="0">
+              <a:schemeClr val="accent1"/>
+            </a:effectRef>
+            <a:fontRef idx="minor">
+              <a:schemeClr val="lt1"/>
+            </a:fontRef>
+          </p:style>
+          <p:txBody>
+            <a:bodyPr rtlCol="0" anchor="ctr"/>
+            <a:lstStyle/>
+            <a:p>
+              <a:pPr algn="ctr"/>
+              <a:endParaRPr lang="zh-CN" altLang="en-US" sz="900">
+                <a:latin typeface="微软雅黑" panose="020B0503020204020204" pitchFamily="34" charset="-122"/>
+                <a:ea typeface="微软雅黑" panose="020B0503020204020204" pitchFamily="34" charset="-122"/>
+              </a:endParaRPr>
+            </a:p>
+          </p:txBody>
+        </p:sp>
+        <p:sp>
+          <p:nvSpPr>
+            <p:cNvPr id="78" name="矩形 77"/>
+            <p:cNvSpPr/>
+            <p:nvPr/>
+          </p:nvSpPr>
+          <p:spPr>
+            <a:xfrm>
+              <a:off x="2857287" y="3434440"/>
+              <a:ext cx="492338" cy="370115"/>
+            </a:xfrm>
+            <a:prstGeom prst="rect">
+              <a:avLst/>
+            </a:prstGeom>
+            <a:noFill/>
+            <a:ln>
+              <a:noFill/>
+            </a:ln>
+          </p:spPr>
+          <p:style>
+            <a:lnRef idx="2">
+              <a:schemeClr val="accent1">
+                <a:shade val="50000"/>
+              </a:schemeClr>
+            </a:lnRef>
+            <a:fillRef idx="1">
+              <a:schemeClr val="accent1"/>
+            </a:fillRef>
+            <a:effectRef idx="0">
+              <a:schemeClr val="accent1"/>
+            </a:effectRef>
+            <a:fontRef idx="minor">
+              <a:schemeClr val="lt1"/>
+            </a:fontRef>
+          </p:style>
+          <p:txBody>
+            <a:bodyPr rtlCol="0" anchor="ctr"/>
+            <a:lstStyle/>
+            <a:p>
+              <a:pPr algn="ctr"/>
+              <a:endParaRPr lang="zh-CN" altLang="en-US" sz="900">
+                <a:latin typeface="微软雅黑" panose="020B0503020204020204" pitchFamily="34" charset="-122"/>
+                <a:ea typeface="微软雅黑" panose="020B0503020204020204" pitchFamily="34" charset="-122"/>
+              </a:endParaRPr>
+            </a:p>
+          </p:txBody>
+        </p:sp>
+      </p:grpSp>
+      <p:sp>
+        <p:nvSpPr>
+          <p:cNvPr id="73" name="圆角矩形 72"/>
+          <p:cNvSpPr/>
+          <p:nvPr/>
+        </p:nvSpPr>
+        <p:spPr>
+          <a:xfrm>
+            <a:off x="5567998" y="2325435"/>
+            <a:ext cx="1590546" cy="524302"/>
+          </a:xfrm>
+          <a:prstGeom prst="roundRect">
+            <a:avLst>
+              <a:gd name="adj" fmla="val 11085"/>
+            </a:avLst>
+          </a:prstGeom>
+          <a:noFill/>
+          <a:ln w="6350">
+            <a:solidFill>
+              <a:schemeClr val="bg1">
+                <a:lumMod val="50000"/>
+              </a:schemeClr>
+            </a:solidFill>
+            <a:prstDash val="dash"/>
+          </a:ln>
+        </p:spPr>
+        <p:style>
+          <a:lnRef idx="2">
+            <a:schemeClr val="accent1">
+              <a:shade val="50000"/>
+            </a:schemeClr>
+          </a:lnRef>
+          <a:fillRef idx="1">
+            <a:schemeClr val="accent1"/>
+          </a:fillRef>
+          <a:effectRef idx="0">
+            <a:schemeClr val="accent1"/>
+          </a:effectRef>
+          <a:fontRef idx="minor">
+            <a:schemeClr val="lt1"/>
+          </a:fontRef>
+        </p:style>
+        <p:txBody>
+          <a:bodyPr rtlCol="0" anchor="ctr"/>
+          <a:lstStyle/>
+          <a:p>
+            <a:pPr algn="ctr"/>
+            <a:endParaRPr lang="zh-CN" altLang="en-US" sz="900">
+              <a:latin typeface="微软雅黑" panose="020B0503020204020204" pitchFamily="34" charset="-122"/>
+              <a:ea typeface="微软雅黑" panose="020B0503020204020204" pitchFamily="34" charset="-122"/>
+            </a:endParaRPr>
+          </a:p>
+        </p:txBody>
+      </p:sp>
       <p:cxnSp>
         <p:nvCxnSpPr>
           <p:cNvPr id="90" name="肘形连接符 89"/>
@@ -5963,8 +5918,8 @@
         </p:nvCxnSpPr>
         <p:spPr>
           <a:xfrm rot="5400000">
-            <a:off x="5337884" y="2287951"/>
-            <a:ext cx="515012" cy="1427707"/>
+            <a:off x="5411532" y="2319742"/>
+            <a:ext cx="421745" cy="1481734"/>
           </a:xfrm>
           <a:prstGeom prst="bentConnector3">
             <a:avLst>
@@ -6004,8 +5959,8 @@
         </p:nvCxnSpPr>
         <p:spPr>
           <a:xfrm rot="5400000">
-            <a:off x="5828590" y="2778657"/>
-            <a:ext cx="515012" cy="446295"/>
+            <a:off x="5902238" y="2810448"/>
+            <a:ext cx="421745" cy="500322"/>
           </a:xfrm>
           <a:prstGeom prst="bentConnector3">
             <a:avLst>
@@ -6045,8 +6000,8 @@
         </p:nvCxnSpPr>
         <p:spPr>
           <a:xfrm rot="16200000" flipH="1">
-            <a:off x="6319295" y="2734245"/>
-            <a:ext cx="515012" cy="535117"/>
+            <a:off x="6392944" y="2820064"/>
+            <a:ext cx="421745" cy="481090"/>
           </a:xfrm>
           <a:prstGeom prst="bentConnector3">
             <a:avLst>
@@ -6086,8 +6041,8 @@
         </p:nvCxnSpPr>
         <p:spPr>
           <a:xfrm rot="16200000" flipH="1">
-            <a:off x="6810001" y="2243539"/>
-            <a:ext cx="515012" cy="1516529"/>
+            <a:off x="6883650" y="2329358"/>
+            <a:ext cx="421745" cy="1462502"/>
           </a:xfrm>
           <a:prstGeom prst="bentConnector3">
             <a:avLst>
